--- a/Data Science Category.pptx
+++ b/Data Science Category.pptx
@@ -7,18 +7,26 @@
   <p:sldIdLst>
     <p:sldId id="256" r:id="rId2"/>
     <p:sldId id="257" r:id="rId3"/>
-    <p:sldId id="259" r:id="rId4"/>
-    <p:sldId id="260" r:id="rId5"/>
-    <p:sldId id="261" r:id="rId6"/>
-    <p:sldId id="262" r:id="rId7"/>
-    <p:sldId id="263" r:id="rId8"/>
-    <p:sldId id="264" r:id="rId9"/>
-    <p:sldId id="265" r:id="rId10"/>
-    <p:sldId id="266" r:id="rId11"/>
-    <p:sldId id="267" r:id="rId12"/>
-    <p:sldId id="268" r:id="rId13"/>
-    <p:sldId id="269" r:id="rId14"/>
-    <p:sldId id="270" r:id="rId15"/>
+    <p:sldId id="276" r:id="rId4"/>
+    <p:sldId id="259" r:id="rId5"/>
+    <p:sldId id="277" r:id="rId6"/>
+    <p:sldId id="260" r:id="rId7"/>
+    <p:sldId id="278" r:id="rId8"/>
+    <p:sldId id="261" r:id="rId9"/>
+    <p:sldId id="279" r:id="rId10"/>
+    <p:sldId id="262" r:id="rId11"/>
+    <p:sldId id="280" r:id="rId12"/>
+    <p:sldId id="263" r:id="rId13"/>
+    <p:sldId id="264" r:id="rId14"/>
+    <p:sldId id="271" r:id="rId15"/>
+    <p:sldId id="265" r:id="rId16"/>
+    <p:sldId id="272" r:id="rId17"/>
+    <p:sldId id="266" r:id="rId18"/>
+    <p:sldId id="273" r:id="rId19"/>
+    <p:sldId id="267" r:id="rId20"/>
+    <p:sldId id="274" r:id="rId21"/>
+    <p:sldId id="268" r:id="rId22"/>
+    <p:sldId id="275" r:id="rId23"/>
   </p:sldIdLst>
   <p:sldSz cx="12192000" cy="6858000"/>
   <p:notesSz cx="6858000" cy="9144000"/>
@@ -3466,7 +3474,7 @@
           <a:p>
             <a:r>
               <a:rPr lang="en-US" dirty="0"/>
-              <a:t>Topic 3</a:t>
+              <a:t>Cluster 5</a:t>
             </a:r>
           </a:p>
         </p:txBody>
@@ -3494,19 +3502,13 @@
           <a:p>
             <a:r>
               <a:rPr lang="en-MY" dirty="0"/>
-              <a:t>655 jobs (22.62%)</a:t>
-            </a:r>
-          </a:p>
-          <a:p>
-            <a:r>
-              <a:rPr lang="en-MY" dirty="0"/>
-              <a:t>Statistics/Mathematics</a:t>
-            </a:r>
-          </a:p>
-          <a:p>
-            <a:r>
-              <a:rPr lang="en-MY" dirty="0"/>
-              <a:t>Visualization</a:t>
+              <a:t>1010 jobs (34.88%)</a:t>
+            </a:r>
+          </a:p>
+          <a:p>
+            <a:r>
+              <a:rPr lang="en-MY" dirty="0"/>
+              <a:t>Data Engineering</a:t>
             </a:r>
           </a:p>
           <a:p>
@@ -3519,7 +3521,7 @@
             </a:br>
             <a:r>
               <a:rPr lang="en-MY" dirty="0"/>
-              <a:t>Statistics, Design, Computer Science, Reporting, Communication, Mathematics, Data Analysis, Statistical Analysis, Presentation, Visualization</a:t>
+              <a:t>Research, Design, Training, Communication, Analysis, Data Analysis, Platform, Management, Artificial Intelligence, Engineering, Database, Security, Statistics, Reporting, Documentation</a:t>
             </a:r>
           </a:p>
         </p:txBody>
@@ -3527,7 +3529,7 @@
     </p:spTree>
     <p:extLst>
       <p:ext uri="{BB962C8B-B14F-4D97-AF65-F5344CB8AC3E}">
-        <p14:creationId xmlns:p14="http://schemas.microsoft.com/office/powerpoint/2010/main" val="3263535119"/>
+        <p14:creationId xmlns:p14="http://schemas.microsoft.com/office/powerpoint/2010/main" val="701882832"/>
       </p:ext>
     </p:extLst>
   </p:cSld>
@@ -3577,68 +3579,279 @@
           <a:p>
             <a:r>
               <a:rPr lang="en-US" dirty="0"/>
-              <a:t>Topic 4</a:t>
-            </a:r>
-          </a:p>
-        </p:txBody>
-      </p:sp>
-      <p:sp>
-        <p:nvSpPr>
-          <p:cNvPr id="3" name="Content Placeholder 2">
-            <a:extLst>
-              <a:ext uri="{FF2B5EF4-FFF2-40B4-BE49-F238E27FC236}">
-                <a16:creationId xmlns:a16="http://schemas.microsoft.com/office/drawing/2014/main" id="{90E57250-B8FD-8E41-9574-384BE8FB0132}"/>
-              </a:ext>
-            </a:extLst>
-          </p:cNvPr>
-          <p:cNvSpPr>
-            <a:spLocks noGrp="1"/>
-          </p:cNvSpPr>
-          <p:nvPr>
-            <p:ph idx="1"/>
-          </p:nvPr>
-        </p:nvSpPr>
-        <p:spPr/>
-        <p:txBody>
-          <a:bodyPr/>
-          <a:lstStyle/>
-          <a:p>
-            <a:r>
-              <a:rPr lang="en-MY" dirty="0"/>
-              <a:t>1060 jobs (36.60%)</a:t>
-            </a:r>
-          </a:p>
-          <a:p>
-            <a:r>
-              <a:rPr lang="en-MY" dirty="0"/>
-              <a:t>Machine Learning</a:t>
-            </a:r>
-          </a:p>
-          <a:p>
-            <a:r>
-              <a:rPr lang="en-MY" dirty="0"/>
-              <a:t>Statistics/Mathematics</a:t>
-            </a:r>
-          </a:p>
-          <a:p>
-            <a:r>
-              <a:rPr lang="en-MY" dirty="0"/>
-              <a:t>Notable Skills:</a:t>
-            </a:r>
-            <a:br>
-              <a:rPr lang="en-MY" dirty="0"/>
-            </a:br>
-            <a:r>
-              <a:rPr lang="en-MY" dirty="0"/>
-              <a:t>Machine Learning, Computer Science, Artificial Intelligence, Design, Engineering, Python, Statistics, Algorithm, Analysis, Mathematics</a:t>
-            </a:r>
+              <a:t>Cluster 5</a:t>
+            </a:r>
+          </a:p>
+        </p:txBody>
+      </p:sp>
+      <p:sp>
+        <p:nvSpPr>
+          <p:cNvPr id="6" name="Content Placeholder 5">
+            <a:extLst>
+              <a:ext uri="{FF2B5EF4-FFF2-40B4-BE49-F238E27FC236}">
+                <a16:creationId xmlns:a16="http://schemas.microsoft.com/office/drawing/2014/main" id="{4091203E-E759-4240-80C8-BAD6221776F3}"/>
+              </a:ext>
+            </a:extLst>
+          </p:cNvPr>
+          <p:cNvSpPr>
+            <a:spLocks noGrp="1"/>
+          </p:cNvSpPr>
+          <p:nvPr>
+            <p:ph sz="half" idx="1"/>
+          </p:nvPr>
+        </p:nvSpPr>
+        <p:spPr/>
+        <p:txBody>
+          <a:bodyPr>
+            <a:normAutofit fontScale="85000" lnSpcReduction="20000"/>
+          </a:bodyPr>
+          <a:lstStyle/>
+          <a:p>
+            <a:pPr marL="0" indent="0">
+              <a:buNone/>
+            </a:pPr>
+            <a:r>
+              <a:rPr lang="en-MY" dirty="0"/>
+              <a:t>1. Research </a:t>
+            </a:r>
+            <a:br>
+              <a:rPr lang="en-MY" dirty="0"/>
+            </a:br>
+            <a:r>
+              <a:rPr lang="en-MY" dirty="0"/>
+              <a:t>2. Design </a:t>
+            </a:r>
+            <a:br>
+              <a:rPr lang="en-MY" dirty="0"/>
+            </a:br>
+            <a:r>
+              <a:rPr lang="en-MY" dirty="0"/>
+              <a:t>3. Analytical </a:t>
+            </a:r>
+            <a:br>
+              <a:rPr lang="en-MY" dirty="0"/>
+            </a:br>
+            <a:r>
+              <a:rPr lang="en-MY" dirty="0"/>
+              <a:t>4. Training </a:t>
+            </a:r>
+            <a:br>
+              <a:rPr lang="en-MY" dirty="0"/>
+            </a:br>
+            <a:r>
+              <a:rPr lang="en-MY" dirty="0"/>
+              <a:t>5. Communication </a:t>
+            </a:r>
+            <a:br>
+              <a:rPr lang="en-MY" dirty="0"/>
+            </a:br>
+            <a:r>
+              <a:rPr lang="en-MY" dirty="0"/>
+              <a:t>6. Analysis </a:t>
+            </a:r>
+            <a:br>
+              <a:rPr lang="en-MY" dirty="0"/>
+            </a:br>
+            <a:r>
+              <a:rPr lang="en-MY" dirty="0"/>
+              <a:t>7. Data Analysis </a:t>
+            </a:r>
+            <a:br>
+              <a:rPr lang="en-MY" dirty="0"/>
+            </a:br>
+            <a:r>
+              <a:rPr lang="en-MY" dirty="0"/>
+              <a:t>8. Data Science </a:t>
+            </a:r>
+            <a:br>
+              <a:rPr lang="en-MY" dirty="0"/>
+            </a:br>
+            <a:r>
+              <a:rPr lang="en-MY" dirty="0"/>
+              <a:t>9. Platform </a:t>
+            </a:r>
+            <a:br>
+              <a:rPr lang="en-MY" dirty="0"/>
+            </a:br>
+            <a:r>
+              <a:rPr lang="en-MY" dirty="0"/>
+              <a:t>10. Management </a:t>
+            </a:r>
+            <a:br>
+              <a:rPr lang="en-MY" dirty="0"/>
+            </a:br>
+            <a:r>
+              <a:rPr lang="en-MY" dirty="0"/>
+              <a:t>11. Computer Science </a:t>
+            </a:r>
+            <a:br>
+              <a:rPr lang="en-MY" dirty="0"/>
+            </a:br>
+            <a:r>
+              <a:rPr lang="en-MY" dirty="0"/>
+              <a:t>12. Artificial Intelligence (AI) </a:t>
+            </a:r>
+            <a:br>
+              <a:rPr lang="en-MY" dirty="0"/>
+            </a:br>
+            <a:r>
+              <a:rPr lang="en-MY" dirty="0"/>
+              <a:t>13. Engineering </a:t>
+            </a:r>
+            <a:br>
+              <a:rPr lang="en-MY" dirty="0"/>
+            </a:br>
+            <a:r>
+              <a:rPr lang="en-MY" dirty="0"/>
+              <a:t>14. Database </a:t>
+            </a:r>
+            <a:br>
+              <a:rPr lang="en-MY" dirty="0"/>
+            </a:br>
+            <a:r>
+              <a:rPr lang="en-MY" dirty="0"/>
+              <a:t>15. Leadership</a:t>
+            </a:r>
+            <a:endParaRPr lang="en-US" dirty="0"/>
+          </a:p>
+        </p:txBody>
+      </p:sp>
+      <p:sp>
+        <p:nvSpPr>
+          <p:cNvPr id="7" name="Content Placeholder 6">
+            <a:extLst>
+              <a:ext uri="{FF2B5EF4-FFF2-40B4-BE49-F238E27FC236}">
+                <a16:creationId xmlns:a16="http://schemas.microsoft.com/office/drawing/2014/main" id="{CF9561F5-9AF9-2942-93F7-811F3F3A7CE8}"/>
+              </a:ext>
+            </a:extLst>
+          </p:cNvPr>
+          <p:cNvSpPr>
+            <a:spLocks noGrp="1"/>
+          </p:cNvSpPr>
+          <p:nvPr>
+            <p:ph sz="half" idx="2"/>
+          </p:nvPr>
+        </p:nvSpPr>
+        <p:spPr/>
+        <p:txBody>
+          <a:bodyPr>
+            <a:normAutofit fontScale="85000" lnSpcReduction="20000"/>
+          </a:bodyPr>
+          <a:lstStyle/>
+          <a:p>
+            <a:pPr marL="0" indent="0">
+              <a:buNone/>
+            </a:pPr>
+            <a:r>
+              <a:rPr lang="en-MY" dirty="0"/>
+              <a:t>16. Written Communication </a:t>
+            </a:r>
+            <a:br>
+              <a:rPr lang="en-MY" dirty="0"/>
+            </a:br>
+            <a:r>
+              <a:rPr lang="en-MY" dirty="0"/>
+              <a:t>17. Information Technology (IT) </a:t>
+            </a:r>
+            <a:br>
+              <a:rPr lang="en-MY" dirty="0"/>
+            </a:br>
+            <a:r>
+              <a:rPr lang="en-MY" dirty="0"/>
+              <a:t>18. Security </a:t>
+            </a:r>
+            <a:br>
+              <a:rPr lang="en-MY" dirty="0"/>
+            </a:br>
+            <a:r>
+              <a:rPr lang="en-MY" dirty="0"/>
+              <a:t>19. Innovation </a:t>
+            </a:r>
+            <a:br>
+              <a:rPr lang="en-MY" dirty="0"/>
+            </a:br>
+            <a:r>
+              <a:rPr lang="en-MY" dirty="0"/>
+              <a:t>20. Statistics </a:t>
+            </a:r>
+            <a:br>
+              <a:rPr lang="en-MY" dirty="0"/>
+            </a:br>
+            <a:r>
+              <a:rPr lang="en-MY" dirty="0"/>
+              <a:t>21. Reporting </a:t>
+            </a:r>
+            <a:br>
+              <a:rPr lang="en-MY" dirty="0"/>
+            </a:br>
+            <a:r>
+              <a:rPr lang="en-MY" dirty="0"/>
+              <a:t>22. Documentation </a:t>
+            </a:r>
+            <a:br>
+              <a:rPr lang="en-MY" dirty="0"/>
+            </a:br>
+            <a:r>
+              <a:rPr lang="en-MY" dirty="0"/>
+              <a:t>23. Email </a:t>
+            </a:r>
+            <a:br>
+              <a:rPr lang="en-MY" dirty="0"/>
+            </a:br>
+            <a:r>
+              <a:rPr lang="en-MY" dirty="0"/>
+              <a:t>24. Microsoft Access </a:t>
+            </a:r>
+            <a:br>
+              <a:rPr lang="en-MY" dirty="0"/>
+            </a:br>
+            <a:r>
+              <a:rPr lang="en-MY" dirty="0"/>
+              <a:t>25. Research and Development (R&amp;D) </a:t>
+            </a:r>
+            <a:br>
+              <a:rPr lang="en-MY" dirty="0"/>
+            </a:br>
+            <a:r>
+              <a:rPr lang="en-MY" dirty="0"/>
+              <a:t>26. Python </a:t>
+            </a:r>
+            <a:br>
+              <a:rPr lang="en-MY" dirty="0"/>
+            </a:br>
+            <a:r>
+              <a:rPr lang="en-MY" dirty="0"/>
+              <a:t>27. Marketing </a:t>
+            </a:r>
+            <a:br>
+              <a:rPr lang="en-MY" dirty="0"/>
+            </a:br>
+            <a:r>
+              <a:rPr lang="en-MY" dirty="0"/>
+              <a:t>28. Writing </a:t>
+            </a:r>
+            <a:br>
+              <a:rPr lang="en-MY" dirty="0"/>
+            </a:br>
+            <a:r>
+              <a:rPr lang="en-MY" dirty="0"/>
+              <a:t>29. R </a:t>
+            </a:r>
+            <a:br>
+              <a:rPr lang="en-MY" dirty="0"/>
+            </a:br>
+            <a:r>
+              <a:rPr lang="en-MY" dirty="0"/>
+              <a:t>30. Market</a:t>
+            </a:r>
+            <a:endParaRPr lang="en-US" dirty="0"/>
           </a:p>
         </p:txBody>
       </p:sp>
     </p:spTree>
     <p:extLst>
       <p:ext uri="{BB962C8B-B14F-4D97-AF65-F5344CB8AC3E}">
-        <p14:creationId xmlns:p14="http://schemas.microsoft.com/office/powerpoint/2010/main" val="2158822634"/>
+        <p14:creationId xmlns:p14="http://schemas.microsoft.com/office/powerpoint/2010/main" val="557290227"/>
       </p:ext>
     </p:extLst>
   </p:cSld>
@@ -3670,15 +3883,15 @@
           <p:cNvPr id="2" name="Title 1">
             <a:extLst>
               <a:ext uri="{FF2B5EF4-FFF2-40B4-BE49-F238E27FC236}">
-                <a16:creationId xmlns:a16="http://schemas.microsoft.com/office/drawing/2014/main" id="{075FE485-1F3C-5744-8BCB-58CA45C5E46E}"/>
-              </a:ext>
-            </a:extLst>
-          </p:cNvPr>
-          <p:cNvSpPr>
-            <a:spLocks noGrp="1"/>
-          </p:cNvSpPr>
-          <p:nvPr>
-            <p:ph type="title"/>
+                <a16:creationId xmlns:a16="http://schemas.microsoft.com/office/drawing/2014/main" id="{88B79300-857B-8040-8179-E680C1182D79}"/>
+              </a:ext>
+            </a:extLst>
+          </p:cNvPr>
+          <p:cNvSpPr>
+            <a:spLocks noGrp="1"/>
+          </p:cNvSpPr>
+          <p:nvPr>
+            <p:ph type="ctrTitle"/>
           </p:nvPr>
         </p:nvSpPr>
         <p:spPr/>
@@ -3688,68 +3901,40 @@
           <a:p>
             <a:r>
               <a:rPr lang="en-US" dirty="0"/>
-              <a:t>Topic 5</a:t>
-            </a:r>
-          </a:p>
-        </p:txBody>
-      </p:sp>
-      <p:sp>
-        <p:nvSpPr>
-          <p:cNvPr id="3" name="Content Placeholder 2">
-            <a:extLst>
-              <a:ext uri="{FF2B5EF4-FFF2-40B4-BE49-F238E27FC236}">
-                <a16:creationId xmlns:a16="http://schemas.microsoft.com/office/drawing/2014/main" id="{90E57250-B8FD-8E41-9574-384BE8FB0132}"/>
-              </a:ext>
-            </a:extLst>
-          </p:cNvPr>
-          <p:cNvSpPr>
-            <a:spLocks noGrp="1"/>
-          </p:cNvSpPr>
-          <p:nvPr>
-            <p:ph idx="1"/>
-          </p:nvPr>
-        </p:nvSpPr>
-        <p:spPr/>
-        <p:txBody>
-          <a:bodyPr/>
-          <a:lstStyle/>
-          <a:p>
-            <a:r>
-              <a:rPr lang="en-MY" dirty="0"/>
-              <a:t>422 jobs (14.57%)</a:t>
-            </a:r>
-          </a:p>
-          <a:p>
-            <a:r>
-              <a:rPr lang="en-MY" dirty="0"/>
-              <a:t>Statistics/Mathematics</a:t>
-            </a:r>
-          </a:p>
-          <a:p>
-            <a:r>
-              <a:rPr lang="en-MY" dirty="0"/>
-              <a:t>Visualization</a:t>
-            </a:r>
-          </a:p>
-          <a:p>
-            <a:r>
-              <a:rPr lang="en-MY" dirty="0"/>
-              <a:t>Notable Skills:</a:t>
-            </a:r>
-            <a:br>
-              <a:rPr lang="en-MY" dirty="0"/>
-            </a:br>
-            <a:r>
-              <a:rPr lang="en-MY" dirty="0"/>
-              <a:t>Statistics, Design, Computer Science, Reporting, Communication, Mathematics, Data Analysis, Statistical Analysis, Presentation, Visualization</a:t>
-            </a:r>
+              <a:t>Topic Modeling</a:t>
+            </a:r>
+          </a:p>
+        </p:txBody>
+      </p:sp>
+      <p:sp>
+        <p:nvSpPr>
+          <p:cNvPr id="3" name="Subtitle 2">
+            <a:extLst>
+              <a:ext uri="{FF2B5EF4-FFF2-40B4-BE49-F238E27FC236}">
+                <a16:creationId xmlns:a16="http://schemas.microsoft.com/office/drawing/2014/main" id="{67846D9D-F1F9-3E41-AEFB-1814056F94EF}"/>
+              </a:ext>
+            </a:extLst>
+          </p:cNvPr>
+          <p:cNvSpPr>
+            <a:spLocks noGrp="1"/>
+          </p:cNvSpPr>
+          <p:nvPr>
+            <p:ph type="subTitle" idx="1"/>
+          </p:nvPr>
+        </p:nvSpPr>
+        <p:spPr/>
+        <p:txBody>
+          <a:bodyPr/>
+          <a:lstStyle/>
+          <a:p>
+            <a:endParaRPr lang="en-US"/>
           </a:p>
         </p:txBody>
       </p:sp>
     </p:spTree>
     <p:extLst>
       <p:ext uri="{BB962C8B-B14F-4D97-AF65-F5344CB8AC3E}">
-        <p14:creationId xmlns:p14="http://schemas.microsoft.com/office/powerpoint/2010/main" val="403337558"/>
+        <p14:creationId xmlns:p14="http://schemas.microsoft.com/office/powerpoint/2010/main" val="3161474888"/>
       </p:ext>
     </p:extLst>
   </p:cSld>
@@ -3781,15 +3966,15 @@
           <p:cNvPr id="2" name="Title 1">
             <a:extLst>
               <a:ext uri="{FF2B5EF4-FFF2-40B4-BE49-F238E27FC236}">
-                <a16:creationId xmlns:a16="http://schemas.microsoft.com/office/drawing/2014/main" id="{88B79300-857B-8040-8179-E680C1182D79}"/>
-              </a:ext>
-            </a:extLst>
-          </p:cNvPr>
-          <p:cNvSpPr>
-            <a:spLocks noGrp="1"/>
-          </p:cNvSpPr>
-          <p:nvPr>
-            <p:ph type="ctrTitle"/>
+                <a16:creationId xmlns:a16="http://schemas.microsoft.com/office/drawing/2014/main" id="{075FE485-1F3C-5744-8BCB-58CA45C5E46E}"/>
+              </a:ext>
+            </a:extLst>
+          </p:cNvPr>
+          <p:cNvSpPr>
+            <a:spLocks noGrp="1"/>
+          </p:cNvSpPr>
+          <p:nvPr>
+            <p:ph type="title"/>
           </p:nvPr>
         </p:nvSpPr>
         <p:spPr/>
@@ -3799,40 +3984,68 @@
           <a:p>
             <a:r>
               <a:rPr lang="en-US" dirty="0"/>
-              <a:t>Data Skills for Managerial Role</a:t>
-            </a:r>
-          </a:p>
-        </p:txBody>
-      </p:sp>
-      <p:sp>
-        <p:nvSpPr>
-          <p:cNvPr id="3" name="Subtitle 2">
-            <a:extLst>
-              <a:ext uri="{FF2B5EF4-FFF2-40B4-BE49-F238E27FC236}">
-                <a16:creationId xmlns:a16="http://schemas.microsoft.com/office/drawing/2014/main" id="{67846D9D-F1F9-3E41-AEFB-1814056F94EF}"/>
-              </a:ext>
-            </a:extLst>
-          </p:cNvPr>
-          <p:cNvSpPr>
-            <a:spLocks noGrp="1"/>
-          </p:cNvSpPr>
-          <p:nvPr>
-            <p:ph type="subTitle" idx="1"/>
-          </p:nvPr>
-        </p:nvSpPr>
-        <p:spPr/>
-        <p:txBody>
-          <a:bodyPr/>
-          <a:lstStyle/>
-          <a:p>
-            <a:endParaRPr lang="en-US"/>
+              <a:t>Topic 1</a:t>
+            </a:r>
+          </a:p>
+        </p:txBody>
+      </p:sp>
+      <p:sp>
+        <p:nvSpPr>
+          <p:cNvPr id="3" name="Content Placeholder 2">
+            <a:extLst>
+              <a:ext uri="{FF2B5EF4-FFF2-40B4-BE49-F238E27FC236}">
+                <a16:creationId xmlns:a16="http://schemas.microsoft.com/office/drawing/2014/main" id="{90E57250-B8FD-8E41-9574-384BE8FB0132}"/>
+              </a:ext>
+            </a:extLst>
+          </p:cNvPr>
+          <p:cNvSpPr>
+            <a:spLocks noGrp="1"/>
+          </p:cNvSpPr>
+          <p:nvPr>
+            <p:ph idx="1"/>
+          </p:nvPr>
+        </p:nvSpPr>
+        <p:spPr/>
+        <p:txBody>
+          <a:bodyPr/>
+          <a:lstStyle/>
+          <a:p>
+            <a:r>
+              <a:rPr lang="en-MY" dirty="0"/>
+              <a:t>307 jobs (10.60%)</a:t>
+            </a:r>
+          </a:p>
+          <a:p>
+            <a:r>
+              <a:rPr lang="en-MY" dirty="0"/>
+              <a:t>Research?</a:t>
+            </a:r>
+          </a:p>
+          <a:p>
+            <a:r>
+              <a:rPr lang="en-MY" dirty="0"/>
+              <a:t>Bioinformatics/Life Science?</a:t>
+            </a:r>
+          </a:p>
+          <a:p>
+            <a:r>
+              <a:rPr lang="en-MY" dirty="0"/>
+              <a:t>Notable Skills:​</a:t>
+            </a:r>
+            <a:br>
+              <a:rPr lang="en-MY" dirty="0"/>
+            </a:br>
+            <a:r>
+              <a:rPr lang="en-MY" dirty="0"/>
+              <a:t>Research, Design, Molecular Biology, Analytical, Research and Development, Life Science, Biochemistry, Testing, Innovation, Chemistry, Data Analysis</a:t>
+            </a:r>
           </a:p>
         </p:txBody>
       </p:sp>
     </p:spTree>
     <p:extLst>
       <p:ext uri="{BB962C8B-B14F-4D97-AF65-F5344CB8AC3E}">
-        <p14:creationId xmlns:p14="http://schemas.microsoft.com/office/powerpoint/2010/main" val="1361230050"/>
+        <p14:creationId xmlns:p14="http://schemas.microsoft.com/office/powerpoint/2010/main" val="1575316305"/>
       </p:ext>
     </p:extLst>
   </p:cSld>
@@ -3882,43 +4095,1260 @@
           <a:p>
             <a:r>
               <a:rPr lang="en-US" dirty="0"/>
-              <a:t>Popular Skills (from Most to Least)</a:t>
-            </a:r>
-          </a:p>
-        </p:txBody>
-      </p:sp>
-      <p:sp>
-        <p:nvSpPr>
-          <p:cNvPr id="3" name="Content Placeholder 2">
-            <a:extLst>
-              <a:ext uri="{FF2B5EF4-FFF2-40B4-BE49-F238E27FC236}">
-                <a16:creationId xmlns:a16="http://schemas.microsoft.com/office/drawing/2014/main" id="{90E57250-B8FD-8E41-9574-384BE8FB0132}"/>
-              </a:ext>
-            </a:extLst>
-          </p:cNvPr>
-          <p:cNvSpPr>
-            <a:spLocks noGrp="1"/>
-          </p:cNvSpPr>
-          <p:nvPr>
-            <p:ph idx="1"/>
-          </p:nvPr>
-        </p:nvSpPr>
-        <p:spPr/>
-        <p:txBody>
-          <a:bodyPr/>
-          <a:lstStyle/>
-          <a:p>
-            <a:r>
-              <a:rPr lang="en-MY" dirty="0"/>
-              <a:t>Computer Science, Machine Learning, Presentation, Artificial Intelligence, Statistics, Analysis, Mathematics, Database, Agile, Business Intelligence, R, Data Analytics, Algorithm, Data Analysis, Big Data</a:t>
-            </a:r>
+              <a:t>Topic 1</a:t>
+            </a:r>
+          </a:p>
+        </p:txBody>
+      </p:sp>
+      <p:sp>
+        <p:nvSpPr>
+          <p:cNvPr id="6" name="Content Placeholder 5">
+            <a:extLst>
+              <a:ext uri="{FF2B5EF4-FFF2-40B4-BE49-F238E27FC236}">
+                <a16:creationId xmlns:a16="http://schemas.microsoft.com/office/drawing/2014/main" id="{4091203E-E759-4240-80C8-BAD6221776F3}"/>
+              </a:ext>
+            </a:extLst>
+          </p:cNvPr>
+          <p:cNvSpPr>
+            <a:spLocks noGrp="1"/>
+          </p:cNvSpPr>
+          <p:nvPr>
+            <p:ph sz="half" idx="1"/>
+          </p:nvPr>
+        </p:nvSpPr>
+        <p:spPr/>
+        <p:txBody>
+          <a:bodyPr>
+            <a:normAutofit fontScale="92500" lnSpcReduction="20000"/>
+          </a:bodyPr>
+          <a:lstStyle/>
+          <a:p>
+            <a:pPr marL="0" indent="0">
+              <a:buNone/>
+            </a:pPr>
+            <a:r>
+              <a:rPr lang="en-MY" dirty="0"/>
+              <a:t>1. Research </a:t>
+            </a:r>
+            <a:br>
+              <a:rPr lang="en-MY" dirty="0"/>
+            </a:br>
+            <a:r>
+              <a:rPr lang="en-MY" dirty="0"/>
+              <a:t>2. Design </a:t>
+            </a:r>
+            <a:br>
+              <a:rPr lang="en-MY" dirty="0"/>
+            </a:br>
+            <a:r>
+              <a:rPr lang="en-MY" dirty="0"/>
+              <a:t>3. Training </a:t>
+            </a:r>
+            <a:br>
+              <a:rPr lang="en-MY" dirty="0"/>
+            </a:br>
+            <a:r>
+              <a:rPr lang="en-MY" dirty="0"/>
+              <a:t>4. Communication </a:t>
+            </a:r>
+            <a:br>
+              <a:rPr lang="en-MY" dirty="0"/>
+            </a:br>
+            <a:r>
+              <a:rPr lang="en-MY" dirty="0"/>
+              <a:t>5. Molecular Biology </a:t>
+            </a:r>
+            <a:br>
+              <a:rPr lang="en-MY" dirty="0"/>
+            </a:br>
+            <a:r>
+              <a:rPr lang="en-MY" dirty="0"/>
+              <a:t>6. Analytical </a:t>
+            </a:r>
+            <a:br>
+              <a:rPr lang="en-MY" dirty="0"/>
+            </a:br>
+            <a:r>
+              <a:rPr lang="en-MY" dirty="0"/>
+              <a:t>7. Research and Development (R&amp;D) </a:t>
+            </a:r>
+            <a:br>
+              <a:rPr lang="en-MY" dirty="0"/>
+            </a:br>
+            <a:r>
+              <a:rPr lang="en-MY" dirty="0"/>
+              <a:t>8. Life Science </a:t>
+            </a:r>
+            <a:br>
+              <a:rPr lang="en-MY" dirty="0"/>
+            </a:br>
+            <a:r>
+              <a:rPr lang="en-MY" dirty="0"/>
+              <a:t>9. Protocol </a:t>
+            </a:r>
+            <a:br>
+              <a:rPr lang="en-MY" dirty="0"/>
+            </a:br>
+            <a:r>
+              <a:rPr lang="en-MY" dirty="0"/>
+              <a:t>10. Biochemistry </a:t>
+            </a:r>
+            <a:br>
+              <a:rPr lang="en-MY" dirty="0"/>
+            </a:br>
+            <a:r>
+              <a:rPr lang="en-MY" dirty="0"/>
+              <a:t>11. Innovation </a:t>
+            </a:r>
+            <a:br>
+              <a:rPr lang="en-MY" dirty="0"/>
+            </a:br>
+            <a:r>
+              <a:rPr lang="en-MY" dirty="0"/>
+              <a:t>12. Testing </a:t>
+            </a:r>
+            <a:br>
+              <a:rPr lang="en-MY" dirty="0"/>
+            </a:br>
+            <a:r>
+              <a:rPr lang="en-MY" dirty="0"/>
+              <a:t>13. Documentation </a:t>
+            </a:r>
+            <a:br>
+              <a:rPr lang="en-MY" dirty="0"/>
+            </a:br>
+            <a:r>
+              <a:rPr lang="en-MY" dirty="0"/>
+              <a:t>14. Collaboration </a:t>
+            </a:r>
+            <a:br>
+              <a:rPr lang="en-MY" dirty="0"/>
+            </a:br>
+            <a:r>
+              <a:rPr lang="en-MY" dirty="0"/>
+              <a:t>15. Chemistry</a:t>
+            </a:r>
+            <a:endParaRPr lang="en-US" dirty="0"/>
+          </a:p>
+        </p:txBody>
+      </p:sp>
+      <p:sp>
+        <p:nvSpPr>
+          <p:cNvPr id="7" name="Content Placeholder 6">
+            <a:extLst>
+              <a:ext uri="{FF2B5EF4-FFF2-40B4-BE49-F238E27FC236}">
+                <a16:creationId xmlns:a16="http://schemas.microsoft.com/office/drawing/2014/main" id="{CF9561F5-9AF9-2942-93F7-811F3F3A7CE8}"/>
+              </a:ext>
+            </a:extLst>
+          </p:cNvPr>
+          <p:cNvSpPr>
+            <a:spLocks noGrp="1"/>
+          </p:cNvSpPr>
+          <p:nvPr>
+            <p:ph sz="half" idx="2"/>
+          </p:nvPr>
+        </p:nvSpPr>
+        <p:spPr/>
+        <p:txBody>
+          <a:bodyPr>
+            <a:normAutofit fontScale="92500" lnSpcReduction="20000"/>
+          </a:bodyPr>
+          <a:lstStyle/>
+          <a:p>
+            <a:pPr marL="0" indent="0">
+              <a:buNone/>
+            </a:pPr>
+            <a:r>
+              <a:rPr lang="en-MY" dirty="0"/>
+              <a:t>16. Problem Solving </a:t>
+            </a:r>
+            <a:br>
+              <a:rPr lang="en-MY" dirty="0"/>
+            </a:br>
+            <a:r>
+              <a:rPr lang="en-MY" dirty="0"/>
+              <a:t>17. Data Analysis </a:t>
+            </a:r>
+            <a:br>
+              <a:rPr lang="en-MY" dirty="0"/>
+            </a:br>
+            <a:r>
+              <a:rPr lang="en-MY" dirty="0"/>
+              <a:t>18. Analysis </a:t>
+            </a:r>
+            <a:br>
+              <a:rPr lang="en-MY" dirty="0"/>
+            </a:br>
+            <a:r>
+              <a:rPr lang="en-MY" dirty="0"/>
+              <a:t>19. Presentation </a:t>
+            </a:r>
+            <a:br>
+              <a:rPr lang="en-MY" dirty="0"/>
+            </a:br>
+            <a:r>
+              <a:rPr lang="en-MY" dirty="0"/>
+              <a:t>20. Biotechnology </a:t>
+            </a:r>
+            <a:br>
+              <a:rPr lang="en-MY" dirty="0"/>
+            </a:br>
+            <a:r>
+              <a:rPr lang="en-MY" dirty="0"/>
+              <a:t>21. Engineering </a:t>
+            </a:r>
+            <a:br>
+              <a:rPr lang="en-MY" dirty="0"/>
+            </a:br>
+            <a:r>
+              <a:rPr lang="en-MY" dirty="0"/>
+              <a:t>22. Interpreter </a:t>
+            </a:r>
+            <a:br>
+              <a:rPr lang="en-MY" dirty="0"/>
+            </a:br>
+            <a:r>
+              <a:rPr lang="en-MY" dirty="0"/>
+              <a:t>23. Biology </a:t>
+            </a:r>
+            <a:br>
+              <a:rPr lang="en-MY" dirty="0"/>
+            </a:br>
+            <a:r>
+              <a:rPr lang="en-MY" dirty="0"/>
+              <a:t>24. Writing </a:t>
+            </a:r>
+            <a:br>
+              <a:rPr lang="en-MY" dirty="0"/>
+            </a:br>
+            <a:r>
+              <a:rPr lang="en-MY" dirty="0"/>
+              <a:t>25. Leadership </a:t>
+            </a:r>
+            <a:br>
+              <a:rPr lang="en-MY" dirty="0"/>
+            </a:br>
+            <a:r>
+              <a:rPr lang="en-MY" dirty="0"/>
+              <a:t>26. Genomics </a:t>
+            </a:r>
+            <a:br>
+              <a:rPr lang="en-MY" dirty="0"/>
+            </a:br>
+            <a:r>
+              <a:rPr lang="en-MY" dirty="0"/>
+              <a:t>27. Database </a:t>
+            </a:r>
+            <a:br>
+              <a:rPr lang="en-MY" dirty="0"/>
+            </a:br>
+            <a:r>
+              <a:rPr lang="en-MY" dirty="0"/>
+              <a:t>28. Management </a:t>
+            </a:r>
+            <a:br>
+              <a:rPr lang="en-MY" dirty="0"/>
+            </a:br>
+            <a:r>
+              <a:rPr lang="en-MY" dirty="0"/>
+              <a:t>29. Platform </a:t>
+            </a:r>
+            <a:br>
+              <a:rPr lang="en-MY" dirty="0"/>
+            </a:br>
+            <a:r>
+              <a:rPr lang="en-MY" dirty="0"/>
+              <a:t>30. Polymerase chain reaction (PCR)</a:t>
+            </a:r>
+            <a:endParaRPr lang="en-US" dirty="0"/>
           </a:p>
         </p:txBody>
       </p:sp>
     </p:spTree>
     <p:extLst>
       <p:ext uri="{BB962C8B-B14F-4D97-AF65-F5344CB8AC3E}">
-        <p14:creationId xmlns:p14="http://schemas.microsoft.com/office/powerpoint/2010/main" val="3865957771"/>
+        <p14:creationId xmlns:p14="http://schemas.microsoft.com/office/powerpoint/2010/main" val="2365172691"/>
+      </p:ext>
+    </p:extLst>
+  </p:cSld>
+  <p:clrMapOvr>
+    <a:masterClrMapping/>
+  </p:clrMapOvr>
+</p:sld>
+</file>
+
+<file path=ppt/slides/slide15.xml><?xml version="1.0" encoding="utf-8"?>
+<p:sld xmlns:a="http://schemas.openxmlformats.org/drawingml/2006/main" xmlns:r="http://schemas.openxmlformats.org/officeDocument/2006/relationships" xmlns:p="http://schemas.openxmlformats.org/presentationml/2006/main">
+  <p:cSld>
+    <p:spTree>
+      <p:nvGrpSpPr>
+        <p:cNvPr id="1" name=""/>
+        <p:cNvGrpSpPr/>
+        <p:nvPr/>
+      </p:nvGrpSpPr>
+      <p:grpSpPr>
+        <a:xfrm>
+          <a:off x="0" y="0"/>
+          <a:ext cx="0" cy="0"/>
+          <a:chOff x="0" y="0"/>
+          <a:chExt cx="0" cy="0"/>
+        </a:xfrm>
+      </p:grpSpPr>
+      <p:sp>
+        <p:nvSpPr>
+          <p:cNvPr id="2" name="Title 1">
+            <a:extLst>
+              <a:ext uri="{FF2B5EF4-FFF2-40B4-BE49-F238E27FC236}">
+                <a16:creationId xmlns:a16="http://schemas.microsoft.com/office/drawing/2014/main" id="{075FE485-1F3C-5744-8BCB-58CA45C5E46E}"/>
+              </a:ext>
+            </a:extLst>
+          </p:cNvPr>
+          <p:cNvSpPr>
+            <a:spLocks noGrp="1"/>
+          </p:cNvSpPr>
+          <p:nvPr>
+            <p:ph type="title"/>
+          </p:nvPr>
+        </p:nvSpPr>
+        <p:spPr/>
+        <p:txBody>
+          <a:bodyPr/>
+          <a:lstStyle/>
+          <a:p>
+            <a:r>
+              <a:rPr lang="en-US" dirty="0"/>
+              <a:t>Topic 2</a:t>
+            </a:r>
+          </a:p>
+        </p:txBody>
+      </p:sp>
+      <p:sp>
+        <p:nvSpPr>
+          <p:cNvPr id="3" name="Content Placeholder 2">
+            <a:extLst>
+              <a:ext uri="{FF2B5EF4-FFF2-40B4-BE49-F238E27FC236}">
+                <a16:creationId xmlns:a16="http://schemas.microsoft.com/office/drawing/2014/main" id="{90E57250-B8FD-8E41-9574-384BE8FB0132}"/>
+              </a:ext>
+            </a:extLst>
+          </p:cNvPr>
+          <p:cNvSpPr>
+            <a:spLocks noGrp="1"/>
+          </p:cNvSpPr>
+          <p:nvPr>
+            <p:ph idx="1"/>
+          </p:nvPr>
+        </p:nvSpPr>
+        <p:spPr/>
+        <p:txBody>
+          <a:bodyPr/>
+          <a:lstStyle/>
+          <a:p>
+            <a:r>
+              <a:rPr lang="en-MY" dirty="0"/>
+              <a:t>452 jobs (15.61%)</a:t>
+            </a:r>
+          </a:p>
+          <a:p>
+            <a:r>
+              <a:rPr lang="en-MY" dirty="0"/>
+              <a:t>Business</a:t>
+            </a:r>
+          </a:p>
+          <a:p>
+            <a:r>
+              <a:rPr lang="en-MY" dirty="0" err="1"/>
+              <a:t>Managemet</a:t>
+            </a:r>
+            <a:r>
+              <a:rPr lang="en-MY" dirty="0"/>
+              <a:t>?</a:t>
+            </a:r>
+          </a:p>
+          <a:p>
+            <a:r>
+              <a:rPr lang="en-MY" dirty="0"/>
+              <a:t>Notable Skills:​</a:t>
+            </a:r>
+            <a:br>
+              <a:rPr lang="en-MY" dirty="0"/>
+            </a:br>
+            <a:r>
+              <a:rPr lang="en-MY" dirty="0"/>
+              <a:t>Communication, Design, Sales, Market Research, Presentation, Analysis, Marketing, Reporting, Leadership, Management</a:t>
+            </a:r>
+          </a:p>
+        </p:txBody>
+      </p:sp>
+    </p:spTree>
+    <p:extLst>
+      <p:ext uri="{BB962C8B-B14F-4D97-AF65-F5344CB8AC3E}">
+        <p14:creationId xmlns:p14="http://schemas.microsoft.com/office/powerpoint/2010/main" val="1357839216"/>
+      </p:ext>
+    </p:extLst>
+  </p:cSld>
+  <p:clrMapOvr>
+    <a:masterClrMapping/>
+  </p:clrMapOvr>
+</p:sld>
+</file>
+
+<file path=ppt/slides/slide16.xml><?xml version="1.0" encoding="utf-8"?>
+<p:sld xmlns:a="http://schemas.openxmlformats.org/drawingml/2006/main" xmlns:r="http://schemas.openxmlformats.org/officeDocument/2006/relationships" xmlns:p="http://schemas.openxmlformats.org/presentationml/2006/main">
+  <p:cSld>
+    <p:spTree>
+      <p:nvGrpSpPr>
+        <p:cNvPr id="1" name=""/>
+        <p:cNvGrpSpPr/>
+        <p:nvPr/>
+      </p:nvGrpSpPr>
+      <p:grpSpPr>
+        <a:xfrm>
+          <a:off x="0" y="0"/>
+          <a:ext cx="0" cy="0"/>
+          <a:chOff x="0" y="0"/>
+          <a:chExt cx="0" cy="0"/>
+        </a:xfrm>
+      </p:grpSpPr>
+      <p:sp>
+        <p:nvSpPr>
+          <p:cNvPr id="2" name="Title 1">
+            <a:extLst>
+              <a:ext uri="{FF2B5EF4-FFF2-40B4-BE49-F238E27FC236}">
+                <a16:creationId xmlns:a16="http://schemas.microsoft.com/office/drawing/2014/main" id="{075FE485-1F3C-5744-8BCB-58CA45C5E46E}"/>
+              </a:ext>
+            </a:extLst>
+          </p:cNvPr>
+          <p:cNvSpPr>
+            <a:spLocks noGrp="1"/>
+          </p:cNvSpPr>
+          <p:nvPr>
+            <p:ph type="title"/>
+          </p:nvPr>
+        </p:nvSpPr>
+        <p:spPr/>
+        <p:txBody>
+          <a:bodyPr/>
+          <a:lstStyle/>
+          <a:p>
+            <a:r>
+              <a:rPr lang="en-US" dirty="0"/>
+              <a:t>Topic 2</a:t>
+            </a:r>
+          </a:p>
+        </p:txBody>
+      </p:sp>
+      <p:sp>
+        <p:nvSpPr>
+          <p:cNvPr id="6" name="Content Placeholder 5">
+            <a:extLst>
+              <a:ext uri="{FF2B5EF4-FFF2-40B4-BE49-F238E27FC236}">
+                <a16:creationId xmlns:a16="http://schemas.microsoft.com/office/drawing/2014/main" id="{4091203E-E759-4240-80C8-BAD6221776F3}"/>
+              </a:ext>
+            </a:extLst>
+          </p:cNvPr>
+          <p:cNvSpPr>
+            <a:spLocks noGrp="1"/>
+          </p:cNvSpPr>
+          <p:nvPr>
+            <p:ph sz="half" idx="1"/>
+          </p:nvPr>
+        </p:nvSpPr>
+        <p:spPr/>
+        <p:txBody>
+          <a:bodyPr>
+            <a:normAutofit fontScale="92500" lnSpcReduction="20000"/>
+          </a:bodyPr>
+          <a:lstStyle/>
+          <a:p>
+            <a:pPr marL="0" indent="0">
+              <a:buNone/>
+            </a:pPr>
+            <a:r>
+              <a:rPr lang="en-MY" dirty="0"/>
+              <a:t>1. Research </a:t>
+            </a:r>
+            <a:br>
+              <a:rPr lang="en-MY" dirty="0"/>
+            </a:br>
+            <a:r>
+              <a:rPr lang="en-MY" dirty="0"/>
+              <a:t>2. Analytical </a:t>
+            </a:r>
+            <a:br>
+              <a:rPr lang="en-MY" dirty="0"/>
+            </a:br>
+            <a:r>
+              <a:rPr lang="en-MY" dirty="0"/>
+              <a:t>3. Training </a:t>
+            </a:r>
+            <a:br>
+              <a:rPr lang="en-MY" dirty="0"/>
+            </a:br>
+            <a:r>
+              <a:rPr lang="en-MY" dirty="0"/>
+              <a:t>4. Computer Science </a:t>
+            </a:r>
+            <a:br>
+              <a:rPr lang="en-MY" dirty="0"/>
+            </a:br>
+            <a:r>
+              <a:rPr lang="en-MY" dirty="0"/>
+              <a:t>5. Communication </a:t>
+            </a:r>
+            <a:br>
+              <a:rPr lang="en-MY" dirty="0"/>
+            </a:br>
+            <a:r>
+              <a:rPr lang="en-MY" dirty="0"/>
+              <a:t>6. Analysis </a:t>
+            </a:r>
+            <a:br>
+              <a:rPr lang="en-MY" dirty="0"/>
+            </a:br>
+            <a:r>
+              <a:rPr lang="en-MY" dirty="0"/>
+              <a:t>7. Security </a:t>
+            </a:r>
+            <a:br>
+              <a:rPr lang="en-MY" dirty="0"/>
+            </a:br>
+            <a:r>
+              <a:rPr lang="en-MY" dirty="0"/>
+              <a:t>8. Data Science </a:t>
+            </a:r>
+            <a:br>
+              <a:rPr lang="en-MY" dirty="0"/>
+            </a:br>
+            <a:r>
+              <a:rPr lang="en-MY" dirty="0"/>
+              <a:t>9. Microsoft Access </a:t>
+            </a:r>
+            <a:br>
+              <a:rPr lang="en-MY" dirty="0"/>
+            </a:br>
+            <a:r>
+              <a:rPr lang="en-MY" dirty="0"/>
+              <a:t>10. Statistics </a:t>
+            </a:r>
+            <a:br>
+              <a:rPr lang="en-MY" dirty="0"/>
+            </a:br>
+            <a:r>
+              <a:rPr lang="en-MY" dirty="0"/>
+              <a:t>11. Law </a:t>
+            </a:r>
+            <a:br>
+              <a:rPr lang="en-MY" dirty="0"/>
+            </a:br>
+            <a:r>
+              <a:rPr lang="en-MY" dirty="0"/>
+              <a:t>12. Email </a:t>
+            </a:r>
+            <a:br>
+              <a:rPr lang="en-MY" dirty="0"/>
+            </a:br>
+            <a:r>
+              <a:rPr lang="en-MY" dirty="0"/>
+              <a:t>13. Information Technology (IT) </a:t>
+            </a:r>
+            <a:br>
+              <a:rPr lang="en-MY" dirty="0"/>
+            </a:br>
+            <a:r>
+              <a:rPr lang="en-MY" dirty="0"/>
+              <a:t>14. Mathematics </a:t>
+            </a:r>
+            <a:br>
+              <a:rPr lang="en-MY" dirty="0"/>
+            </a:br>
+            <a:r>
+              <a:rPr lang="en-MY" dirty="0"/>
+              <a:t>15. Leadership</a:t>
+            </a:r>
+            <a:endParaRPr lang="en-US" dirty="0"/>
+          </a:p>
+        </p:txBody>
+      </p:sp>
+      <p:sp>
+        <p:nvSpPr>
+          <p:cNvPr id="7" name="Content Placeholder 6">
+            <a:extLst>
+              <a:ext uri="{FF2B5EF4-FFF2-40B4-BE49-F238E27FC236}">
+                <a16:creationId xmlns:a16="http://schemas.microsoft.com/office/drawing/2014/main" id="{CF9561F5-9AF9-2942-93F7-811F3F3A7CE8}"/>
+              </a:ext>
+            </a:extLst>
+          </p:cNvPr>
+          <p:cNvSpPr>
+            <a:spLocks noGrp="1"/>
+          </p:cNvSpPr>
+          <p:nvPr>
+            <p:ph sz="half" idx="2"/>
+          </p:nvPr>
+        </p:nvSpPr>
+        <p:spPr/>
+        <p:txBody>
+          <a:bodyPr>
+            <a:normAutofit fontScale="92500" lnSpcReduction="20000"/>
+          </a:bodyPr>
+          <a:lstStyle/>
+          <a:p>
+            <a:pPr marL="0" indent="0">
+              <a:buNone/>
+            </a:pPr>
+            <a:r>
+              <a:rPr lang="en-MY" dirty="0"/>
+              <a:t>16. Machine Learning </a:t>
+            </a:r>
+            <a:br>
+              <a:rPr lang="en-MY" dirty="0"/>
+            </a:br>
+            <a:r>
+              <a:rPr lang="en-MY" dirty="0"/>
+              <a:t>17. Presentation </a:t>
+            </a:r>
+            <a:br>
+              <a:rPr lang="en-MY" dirty="0"/>
+            </a:br>
+            <a:r>
+              <a:rPr lang="en-MY" dirty="0"/>
+              <a:t>18. Artificial Intelligence (AI) </a:t>
+            </a:r>
+            <a:br>
+              <a:rPr lang="en-MY" dirty="0"/>
+            </a:br>
+            <a:r>
+              <a:rPr lang="en-MY" dirty="0"/>
+              <a:t>19. Collaboration </a:t>
+            </a:r>
+            <a:br>
+              <a:rPr lang="en-MY" dirty="0"/>
+            </a:br>
+            <a:r>
+              <a:rPr lang="en-MY" dirty="0"/>
+              <a:t>20. Administration </a:t>
+            </a:r>
+            <a:br>
+              <a:rPr lang="en-MY" dirty="0"/>
+            </a:br>
+            <a:r>
+              <a:rPr lang="en-MY" dirty="0"/>
+              <a:t>21. Engineering </a:t>
+            </a:r>
+            <a:br>
+              <a:rPr lang="en-MY" dirty="0"/>
+            </a:br>
+            <a:r>
+              <a:rPr lang="en-MY" dirty="0"/>
+              <a:t>22. Design </a:t>
+            </a:r>
+            <a:br>
+              <a:rPr lang="en-MY" dirty="0"/>
+            </a:br>
+            <a:r>
+              <a:rPr lang="en-MY" dirty="0"/>
+              <a:t>23. Database </a:t>
+            </a:r>
+            <a:br>
+              <a:rPr lang="en-MY" dirty="0"/>
+            </a:br>
+            <a:r>
+              <a:rPr lang="en-MY" dirty="0"/>
+              <a:t>24. Documentation </a:t>
+            </a:r>
+            <a:br>
+              <a:rPr lang="en-MY" dirty="0"/>
+            </a:br>
+            <a:r>
+              <a:rPr lang="en-MY" dirty="0"/>
+              <a:t>25. Data Analysis </a:t>
+            </a:r>
+            <a:br>
+              <a:rPr lang="en-MY" dirty="0"/>
+            </a:br>
+            <a:r>
+              <a:rPr lang="en-MY" dirty="0"/>
+              <a:t>26. Management </a:t>
+            </a:r>
+            <a:br>
+              <a:rPr lang="en-MY" dirty="0"/>
+            </a:br>
+            <a:r>
+              <a:rPr lang="en-MY" dirty="0"/>
+              <a:t>27. Market </a:t>
+            </a:r>
+            <a:br>
+              <a:rPr lang="en-MY" dirty="0"/>
+            </a:br>
+            <a:r>
+              <a:rPr lang="en-MY" dirty="0"/>
+              <a:t>28. Writing </a:t>
+            </a:r>
+            <a:br>
+              <a:rPr lang="en-MY" dirty="0"/>
+            </a:br>
+            <a:r>
+              <a:rPr lang="en-MY" dirty="0"/>
+              <a:t>29. Written Communication </a:t>
+            </a:r>
+            <a:br>
+              <a:rPr lang="en-MY" dirty="0"/>
+            </a:br>
+            <a:r>
+              <a:rPr lang="en-MY" dirty="0"/>
+              <a:t>30. Reporting</a:t>
+            </a:r>
+            <a:endParaRPr lang="en-US" dirty="0"/>
+          </a:p>
+        </p:txBody>
+      </p:sp>
+    </p:spTree>
+    <p:extLst>
+      <p:ext uri="{BB962C8B-B14F-4D97-AF65-F5344CB8AC3E}">
+        <p14:creationId xmlns:p14="http://schemas.microsoft.com/office/powerpoint/2010/main" val="1911285063"/>
+      </p:ext>
+    </p:extLst>
+  </p:cSld>
+  <p:clrMapOvr>
+    <a:masterClrMapping/>
+  </p:clrMapOvr>
+</p:sld>
+</file>
+
+<file path=ppt/slides/slide17.xml><?xml version="1.0" encoding="utf-8"?>
+<p:sld xmlns:a="http://schemas.openxmlformats.org/drawingml/2006/main" xmlns:r="http://schemas.openxmlformats.org/officeDocument/2006/relationships" xmlns:p="http://schemas.openxmlformats.org/presentationml/2006/main">
+  <p:cSld>
+    <p:spTree>
+      <p:nvGrpSpPr>
+        <p:cNvPr id="1" name=""/>
+        <p:cNvGrpSpPr/>
+        <p:nvPr/>
+      </p:nvGrpSpPr>
+      <p:grpSpPr>
+        <a:xfrm>
+          <a:off x="0" y="0"/>
+          <a:ext cx="0" cy="0"/>
+          <a:chOff x="0" y="0"/>
+          <a:chExt cx="0" cy="0"/>
+        </a:xfrm>
+      </p:grpSpPr>
+      <p:sp>
+        <p:nvSpPr>
+          <p:cNvPr id="2" name="Title 1">
+            <a:extLst>
+              <a:ext uri="{FF2B5EF4-FFF2-40B4-BE49-F238E27FC236}">
+                <a16:creationId xmlns:a16="http://schemas.microsoft.com/office/drawing/2014/main" id="{075FE485-1F3C-5744-8BCB-58CA45C5E46E}"/>
+              </a:ext>
+            </a:extLst>
+          </p:cNvPr>
+          <p:cNvSpPr>
+            <a:spLocks noGrp="1"/>
+          </p:cNvSpPr>
+          <p:nvPr>
+            <p:ph type="title"/>
+          </p:nvPr>
+        </p:nvSpPr>
+        <p:spPr/>
+        <p:txBody>
+          <a:bodyPr/>
+          <a:lstStyle/>
+          <a:p>
+            <a:r>
+              <a:rPr lang="en-US" dirty="0"/>
+              <a:t>Topic 3</a:t>
+            </a:r>
+          </a:p>
+        </p:txBody>
+      </p:sp>
+      <p:sp>
+        <p:nvSpPr>
+          <p:cNvPr id="3" name="Content Placeholder 2">
+            <a:extLst>
+              <a:ext uri="{FF2B5EF4-FFF2-40B4-BE49-F238E27FC236}">
+                <a16:creationId xmlns:a16="http://schemas.microsoft.com/office/drawing/2014/main" id="{90E57250-B8FD-8E41-9574-384BE8FB0132}"/>
+              </a:ext>
+            </a:extLst>
+          </p:cNvPr>
+          <p:cNvSpPr>
+            <a:spLocks noGrp="1"/>
+          </p:cNvSpPr>
+          <p:nvPr>
+            <p:ph idx="1"/>
+          </p:nvPr>
+        </p:nvSpPr>
+        <p:spPr/>
+        <p:txBody>
+          <a:bodyPr/>
+          <a:lstStyle/>
+          <a:p>
+            <a:r>
+              <a:rPr lang="en-MY" dirty="0"/>
+              <a:t>655 jobs (22.62%)</a:t>
+            </a:r>
+          </a:p>
+          <a:p>
+            <a:r>
+              <a:rPr lang="en-MY" dirty="0"/>
+              <a:t>Statistics/Mathematics</a:t>
+            </a:r>
+          </a:p>
+          <a:p>
+            <a:r>
+              <a:rPr lang="en-MY" dirty="0"/>
+              <a:t>Visualization</a:t>
+            </a:r>
+          </a:p>
+          <a:p>
+            <a:r>
+              <a:rPr lang="en-MY" dirty="0"/>
+              <a:t>Notable Skills:</a:t>
+            </a:r>
+            <a:br>
+              <a:rPr lang="en-MY" dirty="0"/>
+            </a:br>
+            <a:r>
+              <a:rPr lang="en-MY" dirty="0"/>
+              <a:t>Statistics, Design, Computer Science, Reporting, Communication, Mathematics, Data Analysis, Statistical Analysis, Presentation, Visualization</a:t>
+            </a:r>
+          </a:p>
+        </p:txBody>
+      </p:sp>
+    </p:spTree>
+    <p:extLst>
+      <p:ext uri="{BB962C8B-B14F-4D97-AF65-F5344CB8AC3E}">
+        <p14:creationId xmlns:p14="http://schemas.microsoft.com/office/powerpoint/2010/main" val="3263535119"/>
+      </p:ext>
+    </p:extLst>
+  </p:cSld>
+  <p:clrMapOvr>
+    <a:masterClrMapping/>
+  </p:clrMapOvr>
+</p:sld>
+</file>
+
+<file path=ppt/slides/slide18.xml><?xml version="1.0" encoding="utf-8"?>
+<p:sld xmlns:a="http://schemas.openxmlformats.org/drawingml/2006/main" xmlns:r="http://schemas.openxmlformats.org/officeDocument/2006/relationships" xmlns:p="http://schemas.openxmlformats.org/presentationml/2006/main">
+  <p:cSld>
+    <p:spTree>
+      <p:nvGrpSpPr>
+        <p:cNvPr id="1" name=""/>
+        <p:cNvGrpSpPr/>
+        <p:nvPr/>
+      </p:nvGrpSpPr>
+      <p:grpSpPr>
+        <a:xfrm>
+          <a:off x="0" y="0"/>
+          <a:ext cx="0" cy="0"/>
+          <a:chOff x="0" y="0"/>
+          <a:chExt cx="0" cy="0"/>
+        </a:xfrm>
+      </p:grpSpPr>
+      <p:sp>
+        <p:nvSpPr>
+          <p:cNvPr id="2" name="Title 1">
+            <a:extLst>
+              <a:ext uri="{FF2B5EF4-FFF2-40B4-BE49-F238E27FC236}">
+                <a16:creationId xmlns:a16="http://schemas.microsoft.com/office/drawing/2014/main" id="{075FE485-1F3C-5744-8BCB-58CA45C5E46E}"/>
+              </a:ext>
+            </a:extLst>
+          </p:cNvPr>
+          <p:cNvSpPr>
+            <a:spLocks noGrp="1"/>
+          </p:cNvSpPr>
+          <p:nvPr>
+            <p:ph type="title"/>
+          </p:nvPr>
+        </p:nvSpPr>
+        <p:spPr/>
+        <p:txBody>
+          <a:bodyPr/>
+          <a:lstStyle/>
+          <a:p>
+            <a:r>
+              <a:rPr lang="en-US" dirty="0"/>
+              <a:t>Topic 3</a:t>
+            </a:r>
+          </a:p>
+        </p:txBody>
+      </p:sp>
+      <p:sp>
+        <p:nvSpPr>
+          <p:cNvPr id="6" name="Content Placeholder 5">
+            <a:extLst>
+              <a:ext uri="{FF2B5EF4-FFF2-40B4-BE49-F238E27FC236}">
+                <a16:creationId xmlns:a16="http://schemas.microsoft.com/office/drawing/2014/main" id="{4091203E-E759-4240-80C8-BAD6221776F3}"/>
+              </a:ext>
+            </a:extLst>
+          </p:cNvPr>
+          <p:cNvSpPr>
+            <a:spLocks noGrp="1"/>
+          </p:cNvSpPr>
+          <p:nvPr>
+            <p:ph sz="half" idx="1"/>
+          </p:nvPr>
+        </p:nvSpPr>
+        <p:spPr/>
+        <p:txBody>
+          <a:bodyPr>
+            <a:normAutofit fontScale="92500" lnSpcReduction="20000"/>
+          </a:bodyPr>
+          <a:lstStyle/>
+          <a:p>
+            <a:pPr marL="0" indent="0">
+              <a:buNone/>
+            </a:pPr>
+            <a:r>
+              <a:rPr lang="en-MY" dirty="0"/>
+              <a:t>1. Analytical </a:t>
+            </a:r>
+            <a:br>
+              <a:rPr lang="en-MY" dirty="0"/>
+            </a:br>
+            <a:r>
+              <a:rPr lang="en-MY" dirty="0"/>
+              <a:t>2. Statistics </a:t>
+            </a:r>
+            <a:br>
+              <a:rPr lang="en-MY" dirty="0"/>
+            </a:br>
+            <a:r>
+              <a:rPr lang="en-MY" dirty="0"/>
+              <a:t>3. Data Science </a:t>
+            </a:r>
+            <a:br>
+              <a:rPr lang="en-MY" dirty="0"/>
+            </a:br>
+            <a:r>
+              <a:rPr lang="en-MY" dirty="0"/>
+              <a:t>4. Design </a:t>
+            </a:r>
+            <a:br>
+              <a:rPr lang="en-MY" dirty="0"/>
+            </a:br>
+            <a:r>
+              <a:rPr lang="en-MY" dirty="0"/>
+              <a:t>5. Computer Science </a:t>
+            </a:r>
+            <a:br>
+              <a:rPr lang="en-MY" dirty="0"/>
+            </a:br>
+            <a:r>
+              <a:rPr lang="en-MY" dirty="0"/>
+              <a:t>6. Reporting </a:t>
+            </a:r>
+            <a:br>
+              <a:rPr lang="en-MY" dirty="0"/>
+            </a:br>
+            <a:r>
+              <a:rPr lang="en-MY" dirty="0"/>
+              <a:t>7. Leadership </a:t>
+            </a:r>
+            <a:br>
+              <a:rPr lang="en-MY" dirty="0"/>
+            </a:br>
+            <a:r>
+              <a:rPr lang="en-MY" dirty="0"/>
+              <a:t>8. Communication </a:t>
+            </a:r>
+            <a:br>
+              <a:rPr lang="en-MY" dirty="0"/>
+            </a:br>
+            <a:r>
+              <a:rPr lang="en-MY" dirty="0"/>
+              <a:t>9. Research </a:t>
+            </a:r>
+            <a:br>
+              <a:rPr lang="en-MY" dirty="0"/>
+            </a:br>
+            <a:r>
+              <a:rPr lang="en-MY" dirty="0"/>
+              <a:t>10. Training </a:t>
+            </a:r>
+            <a:br>
+              <a:rPr lang="en-MY" dirty="0"/>
+            </a:br>
+            <a:r>
+              <a:rPr lang="en-MY" dirty="0"/>
+              <a:t>11. Mathematics </a:t>
+            </a:r>
+            <a:br>
+              <a:rPr lang="en-MY" dirty="0"/>
+            </a:br>
+            <a:r>
+              <a:rPr lang="en-MY" dirty="0"/>
+              <a:t>12. Data Analysis </a:t>
+            </a:r>
+            <a:br>
+              <a:rPr lang="en-MY" dirty="0"/>
+            </a:br>
+            <a:r>
+              <a:rPr lang="en-MY" dirty="0"/>
+              <a:t>13. Statistical Analysis </a:t>
+            </a:r>
+            <a:br>
+              <a:rPr lang="en-MY" dirty="0"/>
+            </a:br>
+            <a:r>
+              <a:rPr lang="en-MY" dirty="0"/>
+              <a:t>14. Presentation </a:t>
+            </a:r>
+            <a:br>
+              <a:rPr lang="en-MY" dirty="0"/>
+            </a:br>
+            <a:r>
+              <a:rPr lang="en-MY" dirty="0"/>
+              <a:t>15. Problem Solving</a:t>
+            </a:r>
+            <a:endParaRPr lang="en-US" dirty="0"/>
+          </a:p>
+        </p:txBody>
+      </p:sp>
+      <p:sp>
+        <p:nvSpPr>
+          <p:cNvPr id="7" name="Content Placeholder 6">
+            <a:extLst>
+              <a:ext uri="{FF2B5EF4-FFF2-40B4-BE49-F238E27FC236}">
+                <a16:creationId xmlns:a16="http://schemas.microsoft.com/office/drawing/2014/main" id="{CF9561F5-9AF9-2942-93F7-811F3F3A7CE8}"/>
+              </a:ext>
+            </a:extLst>
+          </p:cNvPr>
+          <p:cNvSpPr>
+            <a:spLocks noGrp="1"/>
+          </p:cNvSpPr>
+          <p:nvPr>
+            <p:ph sz="half" idx="2"/>
+          </p:nvPr>
+        </p:nvSpPr>
+        <p:spPr/>
+        <p:txBody>
+          <a:bodyPr>
+            <a:normAutofit fontScale="92500" lnSpcReduction="20000"/>
+          </a:bodyPr>
+          <a:lstStyle/>
+          <a:p>
+            <a:pPr marL="0" indent="0">
+              <a:buNone/>
+            </a:pPr>
+            <a:r>
+              <a:rPr lang="en-MY" dirty="0"/>
+              <a:t>16. Visualization </a:t>
+            </a:r>
+            <a:br>
+              <a:rPr lang="en-MY" dirty="0"/>
+            </a:br>
+            <a:r>
+              <a:rPr lang="en-MY" dirty="0"/>
+              <a:t>17. Machine Learning </a:t>
+            </a:r>
+            <a:br>
+              <a:rPr lang="en-MY" dirty="0"/>
+            </a:br>
+            <a:r>
+              <a:rPr lang="en-MY" dirty="0"/>
+              <a:t>18. Collaboration </a:t>
+            </a:r>
+            <a:br>
+              <a:rPr lang="en-MY" dirty="0"/>
+            </a:br>
+            <a:r>
+              <a:rPr lang="en-MY" dirty="0"/>
+              <a:t>19. Analysis </a:t>
+            </a:r>
+            <a:br>
+              <a:rPr lang="en-MY" dirty="0"/>
+            </a:br>
+            <a:r>
+              <a:rPr lang="en-MY" dirty="0"/>
+              <a:t>20. Innovation </a:t>
+            </a:r>
+            <a:br>
+              <a:rPr lang="en-MY" dirty="0"/>
+            </a:br>
+            <a:r>
+              <a:rPr lang="en-MY" dirty="0"/>
+              <a:t>21. R </a:t>
+            </a:r>
+            <a:br>
+              <a:rPr lang="en-MY" dirty="0"/>
+            </a:br>
+            <a:r>
+              <a:rPr lang="en-MY" dirty="0"/>
+              <a:t>22. Healthcare </a:t>
+            </a:r>
+            <a:br>
+              <a:rPr lang="en-MY" dirty="0"/>
+            </a:br>
+            <a:r>
+              <a:rPr lang="en-MY" dirty="0"/>
+              <a:t>23. Documentation </a:t>
+            </a:r>
+            <a:br>
+              <a:rPr lang="en-MY" dirty="0"/>
+            </a:br>
+            <a:r>
+              <a:rPr lang="en-MY" dirty="0"/>
+              <a:t>24. Dataset </a:t>
+            </a:r>
+            <a:br>
+              <a:rPr lang="en-MY" dirty="0"/>
+            </a:br>
+            <a:r>
+              <a:rPr lang="en-MY" dirty="0"/>
+              <a:t>25. Database </a:t>
+            </a:r>
+            <a:br>
+              <a:rPr lang="en-MY" dirty="0"/>
+            </a:br>
+            <a:r>
+              <a:rPr lang="en-MY" dirty="0"/>
+              <a:t>26. Accuracy </a:t>
+            </a:r>
+            <a:br>
+              <a:rPr lang="en-MY" dirty="0"/>
+            </a:br>
+            <a:r>
+              <a:rPr lang="en-MY" dirty="0"/>
+              <a:t>27. Data Management </a:t>
+            </a:r>
+            <a:br>
+              <a:rPr lang="en-MY" dirty="0"/>
+            </a:br>
+            <a:r>
+              <a:rPr lang="en-MY" dirty="0"/>
+              <a:t>28. Engineering </a:t>
+            </a:r>
+            <a:br>
+              <a:rPr lang="en-MY" dirty="0"/>
+            </a:br>
+            <a:r>
+              <a:rPr lang="en-MY" dirty="0"/>
+              <a:t>29. Law </a:t>
+            </a:r>
+            <a:br>
+              <a:rPr lang="en-MY" dirty="0"/>
+            </a:br>
+            <a:r>
+              <a:rPr lang="en-MY" dirty="0"/>
+              <a:t>30. Information Technology (IT)</a:t>
+            </a:r>
+            <a:endParaRPr lang="en-US" dirty="0"/>
+          </a:p>
+        </p:txBody>
+      </p:sp>
+    </p:spTree>
+    <p:extLst>
+      <p:ext uri="{BB962C8B-B14F-4D97-AF65-F5344CB8AC3E}">
+        <p14:creationId xmlns:p14="http://schemas.microsoft.com/office/powerpoint/2010/main" val="3924143853"/>
+      </p:ext>
+    </p:extLst>
+  </p:cSld>
+  <p:clrMapOvr>
+    <a:masterClrMapping/>
+  </p:clrMapOvr>
+</p:sld>
+</file>
+
+<file path=ppt/slides/slide19.xml><?xml version="1.0" encoding="utf-8"?>
+<p:sld xmlns:a="http://schemas.openxmlformats.org/drawingml/2006/main" xmlns:r="http://schemas.openxmlformats.org/officeDocument/2006/relationships" xmlns:p="http://schemas.openxmlformats.org/presentationml/2006/main">
+  <p:cSld>
+    <p:spTree>
+      <p:nvGrpSpPr>
+        <p:cNvPr id="1" name=""/>
+        <p:cNvGrpSpPr/>
+        <p:nvPr/>
+      </p:nvGrpSpPr>
+      <p:grpSpPr>
+        <a:xfrm>
+          <a:off x="0" y="0"/>
+          <a:ext cx="0" cy="0"/>
+          <a:chOff x="0" y="0"/>
+          <a:chExt cx="0" cy="0"/>
+        </a:xfrm>
+      </p:grpSpPr>
+      <p:sp>
+        <p:nvSpPr>
+          <p:cNvPr id="2" name="Title 1">
+            <a:extLst>
+              <a:ext uri="{FF2B5EF4-FFF2-40B4-BE49-F238E27FC236}">
+                <a16:creationId xmlns:a16="http://schemas.microsoft.com/office/drawing/2014/main" id="{075FE485-1F3C-5744-8BCB-58CA45C5E46E}"/>
+              </a:ext>
+            </a:extLst>
+          </p:cNvPr>
+          <p:cNvSpPr>
+            <a:spLocks noGrp="1"/>
+          </p:cNvSpPr>
+          <p:nvPr>
+            <p:ph type="title"/>
+          </p:nvPr>
+        </p:nvSpPr>
+        <p:spPr/>
+        <p:txBody>
+          <a:bodyPr/>
+          <a:lstStyle/>
+          <a:p>
+            <a:r>
+              <a:rPr lang="en-US" dirty="0"/>
+              <a:t>Topic 4</a:t>
+            </a:r>
+          </a:p>
+        </p:txBody>
+      </p:sp>
+      <p:sp>
+        <p:nvSpPr>
+          <p:cNvPr id="3" name="Content Placeholder 2">
+            <a:extLst>
+              <a:ext uri="{FF2B5EF4-FFF2-40B4-BE49-F238E27FC236}">
+                <a16:creationId xmlns:a16="http://schemas.microsoft.com/office/drawing/2014/main" id="{90E57250-B8FD-8E41-9574-384BE8FB0132}"/>
+              </a:ext>
+            </a:extLst>
+          </p:cNvPr>
+          <p:cNvSpPr>
+            <a:spLocks noGrp="1"/>
+          </p:cNvSpPr>
+          <p:nvPr>
+            <p:ph idx="1"/>
+          </p:nvPr>
+        </p:nvSpPr>
+        <p:spPr/>
+        <p:txBody>
+          <a:bodyPr/>
+          <a:lstStyle/>
+          <a:p>
+            <a:r>
+              <a:rPr lang="en-MY" dirty="0"/>
+              <a:t>1060 jobs (36.60%)</a:t>
+            </a:r>
+          </a:p>
+          <a:p>
+            <a:r>
+              <a:rPr lang="en-MY" dirty="0"/>
+              <a:t>Machine Learning</a:t>
+            </a:r>
+          </a:p>
+          <a:p>
+            <a:r>
+              <a:rPr lang="en-MY" dirty="0"/>
+              <a:t>Statistics/Mathematics</a:t>
+            </a:r>
+          </a:p>
+          <a:p>
+            <a:r>
+              <a:rPr lang="en-MY" dirty="0"/>
+              <a:t>Notable Skills:</a:t>
+            </a:r>
+            <a:br>
+              <a:rPr lang="en-MY" dirty="0"/>
+            </a:br>
+            <a:r>
+              <a:rPr lang="en-MY" dirty="0"/>
+              <a:t>Machine Learning, Computer Science, Artificial Intelligence, Design, Engineering, Python, Statistics, Algorithm, Analysis, Mathematics</a:t>
+            </a:r>
+          </a:p>
+        </p:txBody>
+      </p:sp>
+    </p:spTree>
+    <p:extLst>
+      <p:ext uri="{BB962C8B-B14F-4D97-AF65-F5344CB8AC3E}">
+        <p14:creationId xmlns:p14="http://schemas.microsoft.com/office/powerpoint/2010/main" val="2158822634"/>
       </p:ext>
     </p:extLst>
   </p:cSld>
@@ -4039,6 +5469,767 @@
 </p:sld>
 </file>
 
+<file path=ppt/slides/slide20.xml><?xml version="1.0" encoding="utf-8"?>
+<p:sld xmlns:a="http://schemas.openxmlformats.org/drawingml/2006/main" xmlns:r="http://schemas.openxmlformats.org/officeDocument/2006/relationships" xmlns:p="http://schemas.openxmlformats.org/presentationml/2006/main">
+  <p:cSld>
+    <p:spTree>
+      <p:nvGrpSpPr>
+        <p:cNvPr id="1" name=""/>
+        <p:cNvGrpSpPr/>
+        <p:nvPr/>
+      </p:nvGrpSpPr>
+      <p:grpSpPr>
+        <a:xfrm>
+          <a:off x="0" y="0"/>
+          <a:ext cx="0" cy="0"/>
+          <a:chOff x="0" y="0"/>
+          <a:chExt cx="0" cy="0"/>
+        </a:xfrm>
+      </p:grpSpPr>
+      <p:sp>
+        <p:nvSpPr>
+          <p:cNvPr id="2" name="Title 1">
+            <a:extLst>
+              <a:ext uri="{FF2B5EF4-FFF2-40B4-BE49-F238E27FC236}">
+                <a16:creationId xmlns:a16="http://schemas.microsoft.com/office/drawing/2014/main" id="{075FE485-1F3C-5744-8BCB-58CA45C5E46E}"/>
+              </a:ext>
+            </a:extLst>
+          </p:cNvPr>
+          <p:cNvSpPr>
+            <a:spLocks noGrp="1"/>
+          </p:cNvSpPr>
+          <p:nvPr>
+            <p:ph type="title"/>
+          </p:nvPr>
+        </p:nvSpPr>
+        <p:spPr/>
+        <p:txBody>
+          <a:bodyPr/>
+          <a:lstStyle/>
+          <a:p>
+            <a:r>
+              <a:rPr lang="en-US" dirty="0"/>
+              <a:t>Topic 4</a:t>
+            </a:r>
+          </a:p>
+        </p:txBody>
+      </p:sp>
+      <p:sp>
+        <p:nvSpPr>
+          <p:cNvPr id="6" name="Content Placeholder 5">
+            <a:extLst>
+              <a:ext uri="{FF2B5EF4-FFF2-40B4-BE49-F238E27FC236}">
+                <a16:creationId xmlns:a16="http://schemas.microsoft.com/office/drawing/2014/main" id="{4091203E-E759-4240-80C8-BAD6221776F3}"/>
+              </a:ext>
+            </a:extLst>
+          </p:cNvPr>
+          <p:cNvSpPr>
+            <a:spLocks noGrp="1"/>
+          </p:cNvSpPr>
+          <p:nvPr>
+            <p:ph sz="half" idx="1"/>
+          </p:nvPr>
+        </p:nvSpPr>
+        <p:spPr/>
+        <p:txBody>
+          <a:bodyPr>
+            <a:normAutofit fontScale="92500" lnSpcReduction="20000"/>
+          </a:bodyPr>
+          <a:lstStyle/>
+          <a:p>
+            <a:pPr marL="0" indent="0">
+              <a:buNone/>
+            </a:pPr>
+            <a:r>
+              <a:rPr lang="en-MY" dirty="0"/>
+              <a:t>1. Analytical </a:t>
+            </a:r>
+            <a:br>
+              <a:rPr lang="en-MY" dirty="0"/>
+            </a:br>
+            <a:r>
+              <a:rPr lang="en-MY" dirty="0"/>
+              <a:t>2. Machine Learning </a:t>
+            </a:r>
+            <a:br>
+              <a:rPr lang="en-MY" dirty="0"/>
+            </a:br>
+            <a:r>
+              <a:rPr lang="en-MY" dirty="0"/>
+              <a:t>3. Computer Science </a:t>
+            </a:r>
+            <a:br>
+              <a:rPr lang="en-MY" dirty="0"/>
+            </a:br>
+            <a:r>
+              <a:rPr lang="en-MY" dirty="0"/>
+              <a:t>4. Data Science </a:t>
+            </a:r>
+            <a:br>
+              <a:rPr lang="en-MY" dirty="0"/>
+            </a:br>
+            <a:r>
+              <a:rPr lang="en-MY" dirty="0"/>
+              <a:t>5. Platform </a:t>
+            </a:r>
+            <a:br>
+              <a:rPr lang="en-MY" dirty="0"/>
+            </a:br>
+            <a:r>
+              <a:rPr lang="en-MY" dirty="0"/>
+              <a:t>6. Artificial Intelligence (AI) </a:t>
+            </a:r>
+            <a:br>
+              <a:rPr lang="en-MY" dirty="0"/>
+            </a:br>
+            <a:r>
+              <a:rPr lang="en-MY" dirty="0"/>
+              <a:t>7. Design </a:t>
+            </a:r>
+            <a:br>
+              <a:rPr lang="en-MY" dirty="0"/>
+            </a:br>
+            <a:r>
+              <a:rPr lang="en-MY" dirty="0"/>
+              <a:t>8. Leadership </a:t>
+            </a:r>
+            <a:br>
+              <a:rPr lang="en-MY" dirty="0"/>
+            </a:br>
+            <a:r>
+              <a:rPr lang="en-MY" dirty="0"/>
+              <a:t>9. Communication </a:t>
+            </a:r>
+            <a:br>
+              <a:rPr lang="en-MY" dirty="0"/>
+            </a:br>
+            <a:r>
+              <a:rPr lang="en-MY" dirty="0"/>
+              <a:t>10. Research </a:t>
+            </a:r>
+            <a:br>
+              <a:rPr lang="en-MY" dirty="0"/>
+            </a:br>
+            <a:r>
+              <a:rPr lang="en-MY" dirty="0"/>
+              <a:t>11. Engineering </a:t>
+            </a:r>
+            <a:br>
+              <a:rPr lang="en-MY" dirty="0"/>
+            </a:br>
+            <a:r>
+              <a:rPr lang="en-MY" dirty="0"/>
+              <a:t>12. Innovation </a:t>
+            </a:r>
+            <a:br>
+              <a:rPr lang="en-MY" dirty="0"/>
+            </a:br>
+            <a:r>
+              <a:rPr lang="en-MY" dirty="0"/>
+              <a:t>13. Python </a:t>
+            </a:r>
+            <a:br>
+              <a:rPr lang="en-MY" dirty="0"/>
+            </a:br>
+            <a:r>
+              <a:rPr lang="en-MY" dirty="0"/>
+              <a:t>14. Market </a:t>
+            </a:r>
+            <a:br>
+              <a:rPr lang="en-MY" dirty="0"/>
+            </a:br>
+            <a:r>
+              <a:rPr lang="en-MY" dirty="0"/>
+              <a:t>15. Training</a:t>
+            </a:r>
+            <a:endParaRPr lang="en-US" dirty="0"/>
+          </a:p>
+        </p:txBody>
+      </p:sp>
+      <p:sp>
+        <p:nvSpPr>
+          <p:cNvPr id="7" name="Content Placeholder 6">
+            <a:extLst>
+              <a:ext uri="{FF2B5EF4-FFF2-40B4-BE49-F238E27FC236}">
+                <a16:creationId xmlns:a16="http://schemas.microsoft.com/office/drawing/2014/main" id="{CF9561F5-9AF9-2942-93F7-811F3F3A7CE8}"/>
+              </a:ext>
+            </a:extLst>
+          </p:cNvPr>
+          <p:cNvSpPr>
+            <a:spLocks noGrp="1"/>
+          </p:cNvSpPr>
+          <p:nvPr>
+            <p:ph sz="half" idx="2"/>
+          </p:nvPr>
+        </p:nvSpPr>
+        <p:spPr/>
+        <p:txBody>
+          <a:bodyPr>
+            <a:normAutofit fontScale="92500" lnSpcReduction="20000"/>
+          </a:bodyPr>
+          <a:lstStyle/>
+          <a:p>
+            <a:pPr marL="0" indent="0">
+              <a:buNone/>
+            </a:pPr>
+            <a:r>
+              <a:rPr lang="en-MY" dirty="0"/>
+              <a:t>16. Statistics </a:t>
+            </a:r>
+            <a:br>
+              <a:rPr lang="en-MY" dirty="0"/>
+            </a:br>
+            <a:r>
+              <a:rPr lang="en-MY" dirty="0"/>
+              <a:t>17. Collaboration </a:t>
+            </a:r>
+            <a:br>
+              <a:rPr lang="en-MY" dirty="0"/>
+            </a:br>
+            <a:r>
+              <a:rPr lang="en-MY" dirty="0"/>
+              <a:t>18. Algorithm </a:t>
+            </a:r>
+            <a:br>
+              <a:rPr lang="en-MY" dirty="0"/>
+            </a:br>
+            <a:r>
+              <a:rPr lang="en-MY" dirty="0"/>
+              <a:t>19. Problem Solving </a:t>
+            </a:r>
+            <a:br>
+              <a:rPr lang="en-MY" dirty="0"/>
+            </a:br>
+            <a:r>
+              <a:rPr lang="en-MY" dirty="0"/>
+              <a:t>20. Analysis </a:t>
+            </a:r>
+            <a:br>
+              <a:rPr lang="en-MY" dirty="0"/>
+            </a:br>
+            <a:r>
+              <a:rPr lang="en-MY" dirty="0"/>
+              <a:t>21. Mathematics </a:t>
+            </a:r>
+            <a:br>
+              <a:rPr lang="en-MY" dirty="0"/>
+            </a:br>
+            <a:r>
+              <a:rPr lang="en-MY" dirty="0"/>
+              <a:t>22. Law </a:t>
+            </a:r>
+            <a:br>
+              <a:rPr lang="en-MY" dirty="0"/>
+            </a:br>
+            <a:r>
+              <a:rPr lang="en-MY" dirty="0"/>
+              <a:t>23. Data Analysis </a:t>
+            </a:r>
+            <a:br>
+              <a:rPr lang="en-MY" dirty="0"/>
+            </a:br>
+            <a:r>
+              <a:rPr lang="en-MY" dirty="0"/>
+              <a:t>24. Testing </a:t>
+            </a:r>
+            <a:br>
+              <a:rPr lang="en-MY" dirty="0"/>
+            </a:br>
+            <a:r>
+              <a:rPr lang="en-MY" dirty="0"/>
+              <a:t>25. Software Engineering </a:t>
+            </a:r>
+            <a:br>
+              <a:rPr lang="en-MY" dirty="0"/>
+            </a:br>
+            <a:r>
+              <a:rPr lang="en-MY" dirty="0"/>
+              <a:t>26. Insurance </a:t>
+            </a:r>
+            <a:br>
+              <a:rPr lang="en-MY" dirty="0"/>
+            </a:br>
+            <a:r>
+              <a:rPr lang="en-MY" dirty="0"/>
+              <a:t>27. Sales </a:t>
+            </a:r>
+            <a:br>
+              <a:rPr lang="en-MY" dirty="0"/>
+            </a:br>
+            <a:r>
+              <a:rPr lang="en-MY" dirty="0"/>
+              <a:t>28. Decision Making </a:t>
+            </a:r>
+            <a:br>
+              <a:rPr lang="en-MY" dirty="0"/>
+            </a:br>
+            <a:r>
+              <a:rPr lang="en-MY" dirty="0"/>
+              <a:t>29. Agile </a:t>
+            </a:r>
+            <a:br>
+              <a:rPr lang="en-MY" dirty="0"/>
+            </a:br>
+            <a:r>
+              <a:rPr lang="en-MY" dirty="0"/>
+              <a:t>30. Deep Learning</a:t>
+            </a:r>
+            <a:endParaRPr lang="en-US" dirty="0"/>
+          </a:p>
+        </p:txBody>
+      </p:sp>
+    </p:spTree>
+    <p:extLst>
+      <p:ext uri="{BB962C8B-B14F-4D97-AF65-F5344CB8AC3E}">
+        <p14:creationId xmlns:p14="http://schemas.microsoft.com/office/powerpoint/2010/main" val="2804327612"/>
+      </p:ext>
+    </p:extLst>
+  </p:cSld>
+  <p:clrMapOvr>
+    <a:masterClrMapping/>
+  </p:clrMapOvr>
+</p:sld>
+</file>
+
+<file path=ppt/slides/slide21.xml><?xml version="1.0" encoding="utf-8"?>
+<p:sld xmlns:a="http://schemas.openxmlformats.org/drawingml/2006/main" xmlns:r="http://schemas.openxmlformats.org/officeDocument/2006/relationships" xmlns:p="http://schemas.openxmlformats.org/presentationml/2006/main">
+  <p:cSld>
+    <p:spTree>
+      <p:nvGrpSpPr>
+        <p:cNvPr id="1" name=""/>
+        <p:cNvGrpSpPr/>
+        <p:nvPr/>
+      </p:nvGrpSpPr>
+      <p:grpSpPr>
+        <a:xfrm>
+          <a:off x="0" y="0"/>
+          <a:ext cx="0" cy="0"/>
+          <a:chOff x="0" y="0"/>
+          <a:chExt cx="0" cy="0"/>
+        </a:xfrm>
+      </p:grpSpPr>
+      <p:sp>
+        <p:nvSpPr>
+          <p:cNvPr id="2" name="Title 1">
+            <a:extLst>
+              <a:ext uri="{FF2B5EF4-FFF2-40B4-BE49-F238E27FC236}">
+                <a16:creationId xmlns:a16="http://schemas.microsoft.com/office/drawing/2014/main" id="{075FE485-1F3C-5744-8BCB-58CA45C5E46E}"/>
+              </a:ext>
+            </a:extLst>
+          </p:cNvPr>
+          <p:cNvSpPr>
+            <a:spLocks noGrp="1"/>
+          </p:cNvSpPr>
+          <p:nvPr>
+            <p:ph type="title"/>
+          </p:nvPr>
+        </p:nvSpPr>
+        <p:spPr/>
+        <p:txBody>
+          <a:bodyPr/>
+          <a:lstStyle/>
+          <a:p>
+            <a:r>
+              <a:rPr lang="en-US" dirty="0"/>
+              <a:t>Topic 5</a:t>
+            </a:r>
+          </a:p>
+        </p:txBody>
+      </p:sp>
+      <p:sp>
+        <p:nvSpPr>
+          <p:cNvPr id="3" name="Content Placeholder 2">
+            <a:extLst>
+              <a:ext uri="{FF2B5EF4-FFF2-40B4-BE49-F238E27FC236}">
+                <a16:creationId xmlns:a16="http://schemas.microsoft.com/office/drawing/2014/main" id="{90E57250-B8FD-8E41-9574-384BE8FB0132}"/>
+              </a:ext>
+            </a:extLst>
+          </p:cNvPr>
+          <p:cNvSpPr>
+            <a:spLocks noGrp="1"/>
+          </p:cNvSpPr>
+          <p:nvPr>
+            <p:ph idx="1"/>
+          </p:nvPr>
+        </p:nvSpPr>
+        <p:spPr/>
+        <p:txBody>
+          <a:bodyPr/>
+          <a:lstStyle/>
+          <a:p>
+            <a:r>
+              <a:rPr lang="en-MY" dirty="0"/>
+              <a:t>422 jobs (14.57%)</a:t>
+            </a:r>
+          </a:p>
+          <a:p>
+            <a:r>
+              <a:rPr lang="en-MY" dirty="0"/>
+              <a:t>Business</a:t>
+            </a:r>
+          </a:p>
+          <a:p>
+            <a:r>
+              <a:rPr lang="en-MY" dirty="0"/>
+              <a:t>Visualization</a:t>
+            </a:r>
+          </a:p>
+          <a:p>
+            <a:r>
+              <a:rPr lang="en-MY" dirty="0"/>
+              <a:t>Research?</a:t>
+            </a:r>
+          </a:p>
+          <a:p>
+            <a:r>
+              <a:rPr lang="en-MY" dirty="0"/>
+              <a:t>Notable Skills:</a:t>
+            </a:r>
+            <a:br>
+              <a:rPr lang="en-MY" dirty="0"/>
+            </a:br>
+            <a:r>
+              <a:rPr lang="en-MY" dirty="0"/>
+              <a:t>Research, Presentation, Testing, Analysis, Research and Development (R&amp;D), Marketing, Reporting, Management, Data Analysis</a:t>
+            </a:r>
+          </a:p>
+        </p:txBody>
+      </p:sp>
+    </p:spTree>
+    <p:extLst>
+      <p:ext uri="{BB962C8B-B14F-4D97-AF65-F5344CB8AC3E}">
+        <p14:creationId xmlns:p14="http://schemas.microsoft.com/office/powerpoint/2010/main" val="403337558"/>
+      </p:ext>
+    </p:extLst>
+  </p:cSld>
+  <p:clrMapOvr>
+    <a:masterClrMapping/>
+  </p:clrMapOvr>
+</p:sld>
+</file>
+
+<file path=ppt/slides/slide22.xml><?xml version="1.0" encoding="utf-8"?>
+<p:sld xmlns:a="http://schemas.openxmlformats.org/drawingml/2006/main" xmlns:r="http://schemas.openxmlformats.org/officeDocument/2006/relationships" xmlns:p="http://schemas.openxmlformats.org/presentationml/2006/main">
+  <p:cSld>
+    <p:spTree>
+      <p:nvGrpSpPr>
+        <p:cNvPr id="1" name=""/>
+        <p:cNvGrpSpPr/>
+        <p:nvPr/>
+      </p:nvGrpSpPr>
+      <p:grpSpPr>
+        <a:xfrm>
+          <a:off x="0" y="0"/>
+          <a:ext cx="0" cy="0"/>
+          <a:chOff x="0" y="0"/>
+          <a:chExt cx="0" cy="0"/>
+        </a:xfrm>
+      </p:grpSpPr>
+      <p:sp>
+        <p:nvSpPr>
+          <p:cNvPr id="2" name="Title 1">
+            <a:extLst>
+              <a:ext uri="{FF2B5EF4-FFF2-40B4-BE49-F238E27FC236}">
+                <a16:creationId xmlns:a16="http://schemas.microsoft.com/office/drawing/2014/main" id="{075FE485-1F3C-5744-8BCB-58CA45C5E46E}"/>
+              </a:ext>
+            </a:extLst>
+          </p:cNvPr>
+          <p:cNvSpPr>
+            <a:spLocks noGrp="1"/>
+          </p:cNvSpPr>
+          <p:nvPr>
+            <p:ph type="title"/>
+          </p:nvPr>
+        </p:nvSpPr>
+        <p:spPr/>
+        <p:txBody>
+          <a:bodyPr/>
+          <a:lstStyle/>
+          <a:p>
+            <a:r>
+              <a:rPr lang="en-US" dirty="0"/>
+              <a:t>Topic 5</a:t>
+            </a:r>
+          </a:p>
+        </p:txBody>
+      </p:sp>
+      <p:sp>
+        <p:nvSpPr>
+          <p:cNvPr id="6" name="Content Placeholder 5">
+            <a:extLst>
+              <a:ext uri="{FF2B5EF4-FFF2-40B4-BE49-F238E27FC236}">
+                <a16:creationId xmlns:a16="http://schemas.microsoft.com/office/drawing/2014/main" id="{4091203E-E759-4240-80C8-BAD6221776F3}"/>
+              </a:ext>
+            </a:extLst>
+          </p:cNvPr>
+          <p:cNvSpPr>
+            <a:spLocks noGrp="1"/>
+          </p:cNvSpPr>
+          <p:nvPr>
+            <p:ph sz="half" idx="1"/>
+          </p:nvPr>
+        </p:nvSpPr>
+        <p:spPr/>
+        <p:txBody>
+          <a:bodyPr>
+            <a:normAutofit fontScale="85000" lnSpcReduction="20000"/>
+          </a:bodyPr>
+          <a:lstStyle/>
+          <a:p>
+            <a:pPr marL="0" indent="0">
+              <a:buNone/>
+            </a:pPr>
+            <a:r>
+              <a:rPr lang="en-MY" dirty="0"/>
+              <a:t>1. Communication </a:t>
+            </a:r>
+            <a:br>
+              <a:rPr lang="en-MY" dirty="0"/>
+            </a:br>
+            <a:r>
+              <a:rPr lang="en-MY" dirty="0"/>
+              <a:t>2. Design </a:t>
+            </a:r>
+            <a:br>
+              <a:rPr lang="en-MY" dirty="0"/>
+            </a:br>
+            <a:r>
+              <a:rPr lang="en-MY" dirty="0"/>
+              <a:t>3. Sales </a:t>
+            </a:r>
+            <a:br>
+              <a:rPr lang="en-MY" dirty="0"/>
+            </a:br>
+            <a:r>
+              <a:rPr lang="en-MY" dirty="0"/>
+              <a:t>4. Market </a:t>
+            </a:r>
+            <a:br>
+              <a:rPr lang="en-MY" dirty="0"/>
+            </a:br>
+            <a:r>
+              <a:rPr lang="en-MY" dirty="0"/>
+              <a:t>5. Research </a:t>
+            </a:r>
+            <a:br>
+              <a:rPr lang="en-MY" dirty="0"/>
+            </a:br>
+            <a:r>
+              <a:rPr lang="en-MY" dirty="0"/>
+              <a:t>6. Analytical </a:t>
+            </a:r>
+            <a:br>
+              <a:rPr lang="en-MY" dirty="0"/>
+            </a:br>
+            <a:r>
+              <a:rPr lang="en-MY" dirty="0"/>
+              <a:t>7. Training </a:t>
+            </a:r>
+            <a:br>
+              <a:rPr lang="en-MY" dirty="0"/>
+            </a:br>
+            <a:r>
+              <a:rPr lang="en-MY" dirty="0"/>
+              <a:t>8. Presentation </a:t>
+            </a:r>
+            <a:br>
+              <a:rPr lang="en-MY" dirty="0"/>
+            </a:br>
+            <a:r>
+              <a:rPr lang="en-MY" dirty="0"/>
+              <a:t>9. Testing </a:t>
+            </a:r>
+            <a:br>
+              <a:rPr lang="en-MY" dirty="0"/>
+            </a:br>
+            <a:r>
+              <a:rPr lang="en-MY" dirty="0"/>
+              <a:t>10. Analysis </a:t>
+            </a:r>
+            <a:br>
+              <a:rPr lang="en-MY" dirty="0"/>
+            </a:br>
+            <a:r>
+              <a:rPr lang="en-MY" dirty="0"/>
+              <a:t>11. Electronics </a:t>
+            </a:r>
+            <a:br>
+              <a:rPr lang="en-MY" dirty="0"/>
+            </a:br>
+            <a:r>
+              <a:rPr lang="en-MY" dirty="0"/>
+              <a:t>12. Innovation </a:t>
+            </a:r>
+            <a:br>
+              <a:rPr lang="en-MY" dirty="0"/>
+            </a:br>
+            <a:r>
+              <a:rPr lang="en-MY" dirty="0"/>
+              <a:t>13. Research and Development (R&amp;D) </a:t>
+            </a:r>
+            <a:br>
+              <a:rPr lang="en-MY" dirty="0"/>
+            </a:br>
+            <a:r>
+              <a:rPr lang="en-MY" dirty="0"/>
+              <a:t>14. Marketing </a:t>
+            </a:r>
+            <a:br>
+              <a:rPr lang="en-MY" dirty="0"/>
+            </a:br>
+            <a:r>
+              <a:rPr lang="en-MY" dirty="0"/>
+              <a:t>15. Manufacturing</a:t>
+            </a:r>
+            <a:endParaRPr lang="en-US" dirty="0"/>
+          </a:p>
+        </p:txBody>
+      </p:sp>
+      <p:sp>
+        <p:nvSpPr>
+          <p:cNvPr id="7" name="Content Placeholder 6">
+            <a:extLst>
+              <a:ext uri="{FF2B5EF4-FFF2-40B4-BE49-F238E27FC236}">
+                <a16:creationId xmlns:a16="http://schemas.microsoft.com/office/drawing/2014/main" id="{CF9561F5-9AF9-2942-93F7-811F3F3A7CE8}"/>
+              </a:ext>
+            </a:extLst>
+          </p:cNvPr>
+          <p:cNvSpPr>
+            <a:spLocks noGrp="1"/>
+          </p:cNvSpPr>
+          <p:nvPr>
+            <p:ph sz="half" idx="2"/>
+          </p:nvPr>
+        </p:nvSpPr>
+        <p:spPr/>
+        <p:txBody>
+          <a:bodyPr>
+            <a:normAutofit fontScale="85000" lnSpcReduction="20000"/>
+          </a:bodyPr>
+          <a:lstStyle/>
+          <a:p>
+            <a:pPr marL="0" indent="0">
+              <a:buNone/>
+            </a:pPr>
+            <a:r>
+              <a:rPr lang="en-MY" dirty="0"/>
+              <a:t>16. Platform </a:t>
+            </a:r>
+            <a:br>
+              <a:rPr lang="en-MY" dirty="0"/>
+            </a:br>
+            <a:r>
+              <a:rPr lang="en-MY" dirty="0"/>
+              <a:t>17. Reporting </a:t>
+            </a:r>
+            <a:br>
+              <a:rPr lang="en-MY" dirty="0"/>
+            </a:br>
+            <a:r>
+              <a:rPr lang="en-MY" dirty="0"/>
+              <a:t>18. Collaboration </a:t>
+            </a:r>
+            <a:br>
+              <a:rPr lang="en-MY" dirty="0"/>
+            </a:br>
+            <a:r>
+              <a:rPr lang="en-MY" dirty="0"/>
+              <a:t>19. Leadership </a:t>
+            </a:r>
+            <a:br>
+              <a:rPr lang="en-MY" dirty="0"/>
+            </a:br>
+            <a:r>
+              <a:rPr lang="en-MY" dirty="0"/>
+              <a:t>20. Problem Solving </a:t>
+            </a:r>
+            <a:br>
+              <a:rPr lang="en-MY" dirty="0"/>
+            </a:br>
+            <a:r>
+              <a:rPr lang="en-MY" dirty="0"/>
+              <a:t>21. Management </a:t>
+            </a:r>
+            <a:br>
+              <a:rPr lang="en-MY" dirty="0"/>
+            </a:br>
+            <a:r>
+              <a:rPr lang="en-MY" dirty="0"/>
+              <a:t>22. Network </a:t>
+            </a:r>
+            <a:br>
+              <a:rPr lang="en-MY" dirty="0"/>
+            </a:br>
+            <a:r>
+              <a:rPr lang="en-MY" dirty="0"/>
+              <a:t>23. Data Analysis </a:t>
+            </a:r>
+            <a:br>
+              <a:rPr lang="en-MY" dirty="0"/>
+            </a:br>
+            <a:r>
+              <a:rPr lang="en-MY" dirty="0"/>
+              <a:t>24. Semiconductors </a:t>
+            </a:r>
+            <a:br>
+              <a:rPr lang="en-MY" dirty="0"/>
+            </a:br>
+            <a:r>
+              <a:rPr lang="en-MY" dirty="0"/>
+              <a:t>25. Documentation </a:t>
+            </a:r>
+            <a:br>
+              <a:rPr lang="en-MY" dirty="0"/>
+            </a:br>
+            <a:r>
+              <a:rPr lang="en-MY" dirty="0"/>
+              <a:t>26. Project Management </a:t>
+            </a:r>
+            <a:br>
+              <a:rPr lang="en-MY" dirty="0"/>
+            </a:br>
+            <a:r>
+              <a:rPr lang="en-MY" dirty="0"/>
+              <a:t>27. English </a:t>
+            </a:r>
+            <a:br>
+              <a:rPr lang="en-MY" dirty="0"/>
+            </a:br>
+            <a:r>
+              <a:rPr lang="en-MY" dirty="0"/>
+              <a:t>28. Engineering </a:t>
+            </a:r>
+            <a:br>
+              <a:rPr lang="en-MY" dirty="0"/>
+            </a:br>
+            <a:r>
+              <a:rPr lang="en-MY" dirty="0"/>
+              <a:t>29. Artificial Intelligence (AI) </a:t>
+            </a:r>
+            <a:br>
+              <a:rPr lang="en-MY" dirty="0"/>
+            </a:br>
+            <a:r>
+              <a:rPr lang="en-MY" dirty="0"/>
+              <a:t>30. Insurance</a:t>
+            </a:r>
+            <a:endParaRPr lang="en-US" dirty="0"/>
+          </a:p>
+        </p:txBody>
+      </p:sp>
+    </p:spTree>
+    <p:extLst>
+      <p:ext uri="{BB962C8B-B14F-4D97-AF65-F5344CB8AC3E}">
+        <p14:creationId xmlns:p14="http://schemas.microsoft.com/office/powerpoint/2010/main" val="2558285432"/>
+      </p:ext>
+    </p:extLst>
+  </p:cSld>
+  <p:clrMapOvr>
+    <a:masterClrMapping/>
+  </p:clrMapOvr>
+</p:sld>
+</file>
+
 <file path=ppt/slides/slide3.xml><?xml version="1.0" encoding="utf-8"?>
 <p:sld xmlns:a="http://schemas.openxmlformats.org/drawingml/2006/main" xmlns:r="http://schemas.openxmlformats.org/officeDocument/2006/relationships" xmlns:p="http://schemas.openxmlformats.org/presentationml/2006/main">
   <p:cSld>
@@ -4079,68 +6270,279 @@
           <a:p>
             <a:r>
               <a:rPr lang="en-US" dirty="0"/>
-              <a:t>Cluster 2 </a:t>
-            </a:r>
-          </a:p>
-        </p:txBody>
-      </p:sp>
-      <p:sp>
-        <p:nvSpPr>
-          <p:cNvPr id="3" name="Content Placeholder 2">
-            <a:extLst>
-              <a:ext uri="{FF2B5EF4-FFF2-40B4-BE49-F238E27FC236}">
-                <a16:creationId xmlns:a16="http://schemas.microsoft.com/office/drawing/2014/main" id="{90E57250-B8FD-8E41-9574-384BE8FB0132}"/>
-              </a:ext>
-            </a:extLst>
-          </p:cNvPr>
-          <p:cNvSpPr>
-            <a:spLocks noGrp="1"/>
-          </p:cNvSpPr>
-          <p:nvPr>
-            <p:ph idx="1"/>
-          </p:nvPr>
-        </p:nvSpPr>
-        <p:spPr/>
-        <p:txBody>
-          <a:bodyPr/>
-          <a:lstStyle/>
-          <a:p>
-            <a:r>
-              <a:rPr lang="en-MY" dirty="0"/>
-              <a:t>563 jobs (19.44%)</a:t>
-            </a:r>
-          </a:p>
-          <a:p>
-            <a:r>
-              <a:rPr lang="en-MY" dirty="0"/>
-              <a:t>Machine Learning</a:t>
-            </a:r>
-          </a:p>
-          <a:p>
-            <a:r>
-              <a:rPr lang="en-MY" dirty="0"/>
-              <a:t>Statistics/Mathematics</a:t>
-            </a:r>
-          </a:p>
-          <a:p>
-            <a:r>
-              <a:rPr lang="en-MY" dirty="0"/>
-              <a:t>Notable Skills:</a:t>
-            </a:r>
-            <a:br>
-              <a:rPr lang="en-MY" dirty="0"/>
-            </a:br>
-            <a:r>
-              <a:rPr lang="en-MY" dirty="0"/>
-              <a:t>Machine Learning, Artificial Intelligence, Research, Engineering, Algorithm, Python, Statistics, Mathematics, Deep Learning, R, Big Data, Modelling, Programming, Predictive Modelling, Natural Language Processing (NLP)</a:t>
-            </a:r>
+              <a:t>Cluster 1</a:t>
+            </a:r>
+          </a:p>
+        </p:txBody>
+      </p:sp>
+      <p:sp>
+        <p:nvSpPr>
+          <p:cNvPr id="6" name="Content Placeholder 5">
+            <a:extLst>
+              <a:ext uri="{FF2B5EF4-FFF2-40B4-BE49-F238E27FC236}">
+                <a16:creationId xmlns:a16="http://schemas.microsoft.com/office/drawing/2014/main" id="{4091203E-E759-4240-80C8-BAD6221776F3}"/>
+              </a:ext>
+            </a:extLst>
+          </p:cNvPr>
+          <p:cNvSpPr>
+            <a:spLocks noGrp="1"/>
+          </p:cNvSpPr>
+          <p:nvPr>
+            <p:ph sz="half" idx="1"/>
+          </p:nvPr>
+        </p:nvSpPr>
+        <p:spPr/>
+        <p:txBody>
+          <a:bodyPr>
+            <a:normAutofit fontScale="85000" lnSpcReduction="20000"/>
+          </a:bodyPr>
+          <a:lstStyle/>
+          <a:p>
+            <a:pPr marL="0" indent="0">
+              <a:buNone/>
+            </a:pPr>
+            <a:r>
+              <a:rPr lang="en-MY" dirty="0"/>
+              <a:t>1. Testing</a:t>
+            </a:r>
+            <a:br>
+              <a:rPr lang="en-MY" dirty="0"/>
+            </a:br>
+            <a:r>
+              <a:rPr lang="en-MY" dirty="0"/>
+              <a:t>2. Analytical</a:t>
+            </a:r>
+            <a:br>
+              <a:rPr lang="en-MY" dirty="0"/>
+            </a:br>
+            <a:r>
+              <a:rPr lang="en-MY" dirty="0"/>
+              <a:t>3. Training </a:t>
+            </a:r>
+            <a:br>
+              <a:rPr lang="en-MY" dirty="0"/>
+            </a:br>
+            <a:r>
+              <a:rPr lang="en-MY" dirty="0"/>
+              <a:t>4. Communication </a:t>
+            </a:r>
+            <a:br>
+              <a:rPr lang="en-MY" dirty="0"/>
+            </a:br>
+            <a:r>
+              <a:rPr lang="en-MY" dirty="0"/>
+              <a:t>5. Design </a:t>
+            </a:r>
+            <a:br>
+              <a:rPr lang="en-MY" dirty="0"/>
+            </a:br>
+            <a:r>
+              <a:rPr lang="en-MY" dirty="0"/>
+              <a:t>6. Computer Science </a:t>
+            </a:r>
+            <a:br>
+              <a:rPr lang="en-MY" dirty="0"/>
+            </a:br>
+            <a:r>
+              <a:rPr lang="en-MY" dirty="0"/>
+              <a:t>7. Problem Solving </a:t>
+            </a:r>
+            <a:br>
+              <a:rPr lang="en-MY" dirty="0"/>
+            </a:br>
+            <a:r>
+              <a:rPr lang="en-MY" dirty="0"/>
+              <a:t>8. Research </a:t>
+            </a:r>
+            <a:br>
+              <a:rPr lang="en-MY" dirty="0"/>
+            </a:br>
+            <a:r>
+              <a:rPr lang="en-MY" dirty="0"/>
+              <a:t>9. Documentation </a:t>
+            </a:r>
+            <a:br>
+              <a:rPr lang="en-MY" dirty="0"/>
+            </a:br>
+            <a:r>
+              <a:rPr lang="en-MY" dirty="0"/>
+              <a:t>10. Market </a:t>
+            </a:r>
+            <a:br>
+              <a:rPr lang="en-MY" dirty="0"/>
+            </a:br>
+            <a:r>
+              <a:rPr lang="en-MY" dirty="0"/>
+              <a:t>11. Collaboration </a:t>
+            </a:r>
+            <a:br>
+              <a:rPr lang="en-MY" dirty="0"/>
+            </a:br>
+            <a:r>
+              <a:rPr lang="en-MY" dirty="0"/>
+              <a:t>12. Platform </a:t>
+            </a:r>
+            <a:br>
+              <a:rPr lang="en-MY" dirty="0"/>
+            </a:br>
+            <a:r>
+              <a:rPr lang="en-MY" dirty="0"/>
+              <a:t>13. Electronics </a:t>
+            </a:r>
+            <a:br>
+              <a:rPr lang="en-MY" dirty="0"/>
+            </a:br>
+            <a:r>
+              <a:rPr lang="en-MY" dirty="0"/>
+              <a:t>14. Analysis </a:t>
+            </a:r>
+            <a:br>
+              <a:rPr lang="en-MY" dirty="0"/>
+            </a:br>
+            <a:r>
+              <a:rPr lang="en-MY" dirty="0"/>
+              <a:t>15. Innovation</a:t>
+            </a:r>
+            <a:endParaRPr lang="en-US" dirty="0"/>
+          </a:p>
+        </p:txBody>
+      </p:sp>
+      <p:sp>
+        <p:nvSpPr>
+          <p:cNvPr id="7" name="Content Placeholder 6">
+            <a:extLst>
+              <a:ext uri="{FF2B5EF4-FFF2-40B4-BE49-F238E27FC236}">
+                <a16:creationId xmlns:a16="http://schemas.microsoft.com/office/drawing/2014/main" id="{CF9561F5-9AF9-2942-93F7-811F3F3A7CE8}"/>
+              </a:ext>
+            </a:extLst>
+          </p:cNvPr>
+          <p:cNvSpPr>
+            <a:spLocks noGrp="1"/>
+          </p:cNvSpPr>
+          <p:nvPr>
+            <p:ph sz="half" idx="2"/>
+          </p:nvPr>
+        </p:nvSpPr>
+        <p:spPr/>
+        <p:txBody>
+          <a:bodyPr>
+            <a:normAutofit fontScale="85000" lnSpcReduction="20000"/>
+          </a:bodyPr>
+          <a:lstStyle/>
+          <a:p>
+            <a:pPr marL="0" indent="0">
+              <a:buNone/>
+            </a:pPr>
+            <a:r>
+              <a:rPr lang="en-MY" dirty="0"/>
+              <a:t>16. Law </a:t>
+            </a:r>
+            <a:br>
+              <a:rPr lang="en-MY" dirty="0"/>
+            </a:br>
+            <a:r>
+              <a:rPr lang="en-MY" dirty="0"/>
+              <a:t>17. Data Analysis </a:t>
+            </a:r>
+            <a:br>
+              <a:rPr lang="en-MY" dirty="0"/>
+            </a:br>
+            <a:r>
+              <a:rPr lang="en-MY" dirty="0"/>
+              <a:t>18. Research and Development (R&amp;D) </a:t>
+            </a:r>
+            <a:br>
+              <a:rPr lang="en-MY" dirty="0"/>
+            </a:br>
+            <a:r>
+              <a:rPr lang="en-MY" dirty="0"/>
+              <a:t>19. Artificial Intelligence (AI) </a:t>
+            </a:r>
+            <a:br>
+              <a:rPr lang="en-MY" dirty="0"/>
+            </a:br>
+            <a:r>
+              <a:rPr lang="en-MY" dirty="0"/>
+              <a:t>20. Data Science </a:t>
+            </a:r>
+            <a:br>
+              <a:rPr lang="en-MY" dirty="0"/>
+            </a:br>
+            <a:r>
+              <a:rPr lang="en-MY" dirty="0"/>
+              <a:t>21. Engineering </a:t>
+            </a:r>
+            <a:br>
+              <a:rPr lang="en-MY" dirty="0"/>
+            </a:br>
+            <a:r>
+              <a:rPr lang="en-MY" dirty="0"/>
+              <a:t>22. Reporting </a:t>
+            </a:r>
+            <a:br>
+              <a:rPr lang="en-MY" dirty="0"/>
+            </a:br>
+            <a:r>
+              <a:rPr lang="en-MY" dirty="0"/>
+              <a:t>23. Machine Learning </a:t>
+            </a:r>
+            <a:br>
+              <a:rPr lang="en-MY" dirty="0"/>
+            </a:br>
+            <a:r>
+              <a:rPr lang="en-MY" dirty="0"/>
+              <a:t>24. Leadership </a:t>
+            </a:r>
+            <a:br>
+              <a:rPr lang="en-MY" dirty="0"/>
+            </a:br>
+            <a:r>
+              <a:rPr lang="en-MY" dirty="0"/>
+              <a:t>25. Database </a:t>
+            </a:r>
+            <a:br>
+              <a:rPr lang="en-MY" dirty="0"/>
+            </a:br>
+            <a:r>
+              <a:rPr lang="en-MY" dirty="0"/>
+              <a:t>26. Sales </a:t>
+            </a:r>
+            <a:br>
+              <a:rPr lang="en-MY" dirty="0"/>
+            </a:br>
+            <a:r>
+              <a:rPr lang="en-MY" dirty="0"/>
+              <a:t>27. Security </a:t>
+            </a:r>
+            <a:br>
+              <a:rPr lang="en-MY" dirty="0"/>
+            </a:br>
+            <a:r>
+              <a:rPr lang="en-MY" dirty="0"/>
+              <a:t>28. Management </a:t>
+            </a:r>
+            <a:br>
+              <a:rPr lang="en-MY" dirty="0"/>
+            </a:br>
+            <a:r>
+              <a:rPr lang="en-MY" dirty="0"/>
+              <a:t>29. Protocol </a:t>
+            </a:r>
+            <a:br>
+              <a:rPr lang="en-MY" dirty="0"/>
+            </a:br>
+            <a:r>
+              <a:rPr lang="en-MY" dirty="0"/>
+              <a:t>30. Information Technology (IT)</a:t>
+            </a:r>
+            <a:endParaRPr lang="en-US" dirty="0"/>
           </a:p>
         </p:txBody>
       </p:sp>
     </p:spTree>
     <p:extLst>
       <p:ext uri="{BB962C8B-B14F-4D97-AF65-F5344CB8AC3E}">
-        <p14:creationId xmlns:p14="http://schemas.microsoft.com/office/powerpoint/2010/main" val="3004629174"/>
+        <p14:creationId xmlns:p14="http://schemas.microsoft.com/office/powerpoint/2010/main" val="675889345"/>
       </p:ext>
     </p:extLst>
   </p:cSld>
@@ -4190,7 +6592,7 @@
           <a:p>
             <a:r>
               <a:rPr lang="en-US" dirty="0"/>
-              <a:t>Cluster 3</a:t>
+              <a:t>Cluster 2 </a:t>
             </a:r>
           </a:p>
         </p:txBody>
@@ -4218,7 +6620,13 @@
           <a:p>
             <a:r>
               <a:rPr lang="en-MY" dirty="0"/>
-              <a:t>398 jobs (13.74%)</a:t>
+              <a:t>563 jobs (19.44%)</a:t>
+            </a:r>
+          </a:p>
+          <a:p>
+            <a:r>
+              <a:rPr lang="en-MY" dirty="0"/>
+              <a:t>Machine Learning</a:t>
             </a:r>
           </a:p>
           <a:p>
@@ -4230,12 +6638,6 @@
           <a:p>
             <a:r>
               <a:rPr lang="en-MY" dirty="0"/>
-              <a:t>Visualization</a:t>
-            </a:r>
-          </a:p>
-          <a:p>
-            <a:r>
-              <a:rPr lang="en-MY" dirty="0"/>
               <a:t>Notable Skills:</a:t>
             </a:r>
             <a:br>
@@ -4243,18 +6645,15 @@
             </a:br>
             <a:r>
               <a:rPr lang="en-MY" dirty="0"/>
-              <a:t>Statistics, Mathematics, Reporting, Statistical Analysis, Data Analysis, Training, Research, Design, Presentation, Visualization, Communication, Data Management, Engineering, Dataset</a:t>
-            </a:r>
-          </a:p>
-          <a:p>
-            <a:endParaRPr lang="en-MY" dirty="0"/>
+              <a:t>Machine Learning, Artificial Intelligence, Research, Engineering, Algorithm, Python, Statistics, Mathematics, Deep Learning, R, Big Data, Modelling, Programming, Predictive Modelling, Natural Language Processing (NLP)</a:t>
+            </a:r>
           </a:p>
         </p:txBody>
       </p:sp>
     </p:spTree>
     <p:extLst>
       <p:ext uri="{BB962C8B-B14F-4D97-AF65-F5344CB8AC3E}">
-        <p14:creationId xmlns:p14="http://schemas.microsoft.com/office/powerpoint/2010/main" val="3390675923"/>
+        <p14:creationId xmlns:p14="http://schemas.microsoft.com/office/powerpoint/2010/main" val="3004629174"/>
       </p:ext>
     </p:extLst>
   </p:cSld>
@@ -4304,74 +6703,279 @@
           <a:p>
             <a:r>
               <a:rPr lang="en-US" dirty="0"/>
-              <a:t>Cluster 4</a:t>
-            </a:r>
-          </a:p>
-        </p:txBody>
-      </p:sp>
-      <p:sp>
-        <p:nvSpPr>
-          <p:cNvPr id="3" name="Content Placeholder 2">
-            <a:extLst>
-              <a:ext uri="{FF2B5EF4-FFF2-40B4-BE49-F238E27FC236}">
-                <a16:creationId xmlns:a16="http://schemas.microsoft.com/office/drawing/2014/main" id="{90E57250-B8FD-8E41-9574-384BE8FB0132}"/>
-              </a:ext>
-            </a:extLst>
-          </p:cNvPr>
-          <p:cNvSpPr>
-            <a:spLocks noGrp="1"/>
-          </p:cNvSpPr>
-          <p:nvPr>
-            <p:ph idx="1"/>
-          </p:nvPr>
-        </p:nvSpPr>
-        <p:spPr/>
-        <p:txBody>
-          <a:bodyPr/>
-          <a:lstStyle/>
-          <a:p>
-            <a:r>
-              <a:rPr lang="en-MY" dirty="0"/>
-              <a:t>546 jobs (18.85%)</a:t>
-            </a:r>
-          </a:p>
-          <a:p>
-            <a:r>
-              <a:rPr lang="en-MY" dirty="0"/>
-              <a:t>Business</a:t>
-            </a:r>
-          </a:p>
-          <a:p>
-            <a:r>
-              <a:rPr lang="en-MY" dirty="0"/>
-              <a:t>Sales?</a:t>
-            </a:r>
-          </a:p>
-          <a:p>
-            <a:r>
-              <a:rPr lang="en-MY" dirty="0"/>
-              <a:t>Management?</a:t>
-            </a:r>
-          </a:p>
-          <a:p>
-            <a:r>
-              <a:rPr lang="en-MY" dirty="0"/>
-              <a:t>Notable Skills:</a:t>
-            </a:r>
-            <a:br>
-              <a:rPr lang="en-MY" dirty="0"/>
-            </a:br>
-            <a:r>
-              <a:rPr lang="en-MY" dirty="0"/>
-              <a:t>Communication, Market, Leadership, Training, Analysis, Design, Presentation, Innovation, Sales, Research, Reporting, Problem Solving, Project Management, Marketing, Network, Management, Microsoft Excel</a:t>
-            </a:r>
+              <a:t>Cluster 2</a:t>
+            </a:r>
+          </a:p>
+        </p:txBody>
+      </p:sp>
+      <p:sp>
+        <p:nvSpPr>
+          <p:cNvPr id="6" name="Content Placeholder 5">
+            <a:extLst>
+              <a:ext uri="{FF2B5EF4-FFF2-40B4-BE49-F238E27FC236}">
+                <a16:creationId xmlns:a16="http://schemas.microsoft.com/office/drawing/2014/main" id="{4091203E-E759-4240-80C8-BAD6221776F3}"/>
+              </a:ext>
+            </a:extLst>
+          </p:cNvPr>
+          <p:cNvSpPr>
+            <a:spLocks noGrp="1"/>
+          </p:cNvSpPr>
+          <p:nvPr>
+            <p:ph sz="half" idx="1"/>
+          </p:nvPr>
+        </p:nvSpPr>
+        <p:spPr/>
+        <p:txBody>
+          <a:bodyPr>
+            <a:normAutofit fontScale="85000" lnSpcReduction="20000"/>
+          </a:bodyPr>
+          <a:lstStyle/>
+          <a:p>
+            <a:pPr marL="0" indent="0">
+              <a:buNone/>
+            </a:pPr>
+            <a:r>
+              <a:rPr lang="en-MY" dirty="0"/>
+              <a:t>1. Machine Learning </a:t>
+            </a:r>
+            <a:br>
+              <a:rPr lang="en-MY" dirty="0"/>
+            </a:br>
+            <a:r>
+              <a:rPr lang="en-MY" dirty="0"/>
+              <a:t>2. Computer Science </a:t>
+            </a:r>
+            <a:br>
+              <a:rPr lang="en-MY" dirty="0"/>
+            </a:br>
+            <a:r>
+              <a:rPr lang="en-MY" dirty="0"/>
+              <a:t>3. Data Science </a:t>
+            </a:r>
+            <a:br>
+              <a:rPr lang="en-MY" dirty="0"/>
+            </a:br>
+            <a:r>
+              <a:rPr lang="en-MY" dirty="0"/>
+              <a:t>4. Artificial Intelligence (AI) </a:t>
+            </a:r>
+            <a:br>
+              <a:rPr lang="en-MY" dirty="0"/>
+            </a:br>
+            <a:r>
+              <a:rPr lang="en-MY" dirty="0"/>
+              <a:t>5. Analytical </a:t>
+            </a:r>
+            <a:br>
+              <a:rPr lang="en-MY" dirty="0"/>
+            </a:br>
+            <a:r>
+              <a:rPr lang="en-MY" dirty="0"/>
+              <a:t>6. Research </a:t>
+            </a:r>
+            <a:br>
+              <a:rPr lang="en-MY" dirty="0"/>
+            </a:br>
+            <a:r>
+              <a:rPr lang="en-MY" dirty="0"/>
+              <a:t>7. Engineering </a:t>
+            </a:r>
+            <a:br>
+              <a:rPr lang="en-MY" dirty="0"/>
+            </a:br>
+            <a:r>
+              <a:rPr lang="en-MY" dirty="0"/>
+              <a:t>8. Algorithm </a:t>
+            </a:r>
+            <a:br>
+              <a:rPr lang="en-MY" dirty="0"/>
+            </a:br>
+            <a:r>
+              <a:rPr lang="en-MY" dirty="0"/>
+              <a:t>9. Platform </a:t>
+            </a:r>
+            <a:br>
+              <a:rPr lang="en-MY" dirty="0"/>
+            </a:br>
+            <a:r>
+              <a:rPr lang="en-MY" dirty="0"/>
+              <a:t>10. Python </a:t>
+            </a:r>
+            <a:br>
+              <a:rPr lang="en-MY" dirty="0"/>
+            </a:br>
+            <a:r>
+              <a:rPr lang="en-MY" dirty="0"/>
+              <a:t>11. Design </a:t>
+            </a:r>
+            <a:br>
+              <a:rPr lang="en-MY" dirty="0"/>
+            </a:br>
+            <a:r>
+              <a:rPr lang="en-MY" dirty="0"/>
+              <a:t>12. Statistics </a:t>
+            </a:r>
+            <a:br>
+              <a:rPr lang="en-MY" dirty="0"/>
+            </a:br>
+            <a:r>
+              <a:rPr lang="en-MY" dirty="0"/>
+              <a:t>13. Leadership </a:t>
+            </a:r>
+            <a:br>
+              <a:rPr lang="en-MY" dirty="0"/>
+            </a:br>
+            <a:r>
+              <a:rPr lang="en-MY" dirty="0"/>
+              <a:t>14. Mathematics </a:t>
+            </a:r>
+            <a:br>
+              <a:rPr lang="en-MY" dirty="0"/>
+            </a:br>
+            <a:r>
+              <a:rPr lang="en-MY" dirty="0"/>
+              <a:t>15. Communication</a:t>
+            </a:r>
+            <a:endParaRPr lang="en-US" dirty="0"/>
+          </a:p>
+        </p:txBody>
+      </p:sp>
+      <p:sp>
+        <p:nvSpPr>
+          <p:cNvPr id="7" name="Content Placeholder 6">
+            <a:extLst>
+              <a:ext uri="{FF2B5EF4-FFF2-40B4-BE49-F238E27FC236}">
+                <a16:creationId xmlns:a16="http://schemas.microsoft.com/office/drawing/2014/main" id="{CF9561F5-9AF9-2942-93F7-811F3F3A7CE8}"/>
+              </a:ext>
+            </a:extLst>
+          </p:cNvPr>
+          <p:cNvSpPr>
+            <a:spLocks noGrp="1"/>
+          </p:cNvSpPr>
+          <p:nvPr>
+            <p:ph sz="half" idx="2"/>
+          </p:nvPr>
+        </p:nvSpPr>
+        <p:spPr/>
+        <p:txBody>
+          <a:bodyPr>
+            <a:normAutofit fontScale="85000" lnSpcReduction="20000"/>
+          </a:bodyPr>
+          <a:lstStyle/>
+          <a:p>
+            <a:pPr marL="0" indent="0">
+              <a:buNone/>
+            </a:pPr>
+            <a:r>
+              <a:rPr lang="en-MY" dirty="0"/>
+              <a:t>16. Innovation </a:t>
+            </a:r>
+            <a:br>
+              <a:rPr lang="en-MY" dirty="0"/>
+            </a:br>
+            <a:r>
+              <a:rPr lang="en-MY" dirty="0"/>
+              <a:t>17. Collaboration </a:t>
+            </a:r>
+            <a:br>
+              <a:rPr lang="en-MY" dirty="0"/>
+            </a:br>
+            <a:r>
+              <a:rPr lang="en-MY" dirty="0"/>
+              <a:t>18. Deep Learning </a:t>
+            </a:r>
+            <a:br>
+              <a:rPr lang="en-MY" dirty="0"/>
+            </a:br>
+            <a:r>
+              <a:rPr lang="en-MY" dirty="0"/>
+              <a:t>19. R </a:t>
+            </a:r>
+            <a:br>
+              <a:rPr lang="en-MY" dirty="0"/>
+            </a:br>
+            <a:r>
+              <a:rPr lang="en-MY" dirty="0"/>
+              <a:t>20. Security </a:t>
+            </a:r>
+            <a:br>
+              <a:rPr lang="en-MY" dirty="0"/>
+            </a:br>
+            <a:r>
+              <a:rPr lang="en-MY" dirty="0"/>
+              <a:t>21. Analysis </a:t>
+            </a:r>
+            <a:br>
+              <a:rPr lang="en-MY" dirty="0"/>
+            </a:br>
+            <a:r>
+              <a:rPr lang="en-MY" dirty="0"/>
+              <a:t>22. Modelling </a:t>
+            </a:r>
+            <a:br>
+              <a:rPr lang="en-MY" dirty="0"/>
+            </a:br>
+            <a:r>
+              <a:rPr lang="en-MY" dirty="0"/>
+              <a:t>23. Programming </a:t>
+            </a:r>
+            <a:br>
+              <a:rPr lang="en-MY" dirty="0"/>
+            </a:br>
+            <a:r>
+              <a:rPr lang="en-MY" dirty="0"/>
+              <a:t>24. Software Engineering </a:t>
+            </a:r>
+            <a:br>
+              <a:rPr lang="en-MY" dirty="0"/>
+            </a:br>
+            <a:r>
+              <a:rPr lang="en-MY" dirty="0"/>
+              <a:t>25. Training </a:t>
+            </a:r>
+            <a:br>
+              <a:rPr lang="en-MY" dirty="0"/>
+            </a:br>
+            <a:r>
+              <a:rPr lang="en-MY" dirty="0"/>
+              <a:t>26. Data Analysis </a:t>
+            </a:r>
+            <a:br>
+              <a:rPr lang="en-MY" dirty="0"/>
+            </a:br>
+            <a:r>
+              <a:rPr lang="en-MY" dirty="0"/>
+              <a:t>27. Law </a:t>
+            </a:r>
+            <a:br>
+              <a:rPr lang="en-MY" dirty="0"/>
+            </a:br>
+            <a:r>
+              <a:rPr lang="en-MY" dirty="0"/>
+              <a:t>28. Problem Solving </a:t>
+            </a:r>
+            <a:br>
+              <a:rPr lang="en-MY" dirty="0"/>
+            </a:br>
+            <a:r>
+              <a:rPr lang="en-MY" dirty="0"/>
+              <a:t>29. Big Data </a:t>
+            </a:r>
+            <a:br>
+              <a:rPr lang="en-MY" dirty="0"/>
+            </a:br>
+            <a:r>
+              <a:rPr lang="en-MY" dirty="0"/>
+              <a:t>30. Data Analytics</a:t>
+            </a:r>
+            <a:endParaRPr lang="en-US" dirty="0"/>
           </a:p>
         </p:txBody>
       </p:sp>
     </p:spTree>
     <p:extLst>
       <p:ext uri="{BB962C8B-B14F-4D97-AF65-F5344CB8AC3E}">
-        <p14:creationId xmlns:p14="http://schemas.microsoft.com/office/powerpoint/2010/main" val="742558957"/>
+        <p14:creationId xmlns:p14="http://schemas.microsoft.com/office/powerpoint/2010/main" val="1347278914"/>
       </p:ext>
     </p:extLst>
   </p:cSld>
@@ -4421,7 +7025,7 @@
           <a:p>
             <a:r>
               <a:rPr lang="en-US" dirty="0"/>
-              <a:t>Cluster 5</a:t>
+              <a:t>Cluster 3</a:t>
             </a:r>
           </a:p>
         </p:txBody>
@@ -4449,13 +7053,19 @@
           <a:p>
             <a:r>
               <a:rPr lang="en-MY" dirty="0"/>
-              <a:t>1010 jobs (34.88%)</a:t>
-            </a:r>
-          </a:p>
-          <a:p>
-            <a:r>
-              <a:rPr lang="en-MY" dirty="0"/>
-              <a:t>Data Engineering</a:t>
+              <a:t>398 jobs (13.74%)</a:t>
+            </a:r>
+          </a:p>
+          <a:p>
+            <a:r>
+              <a:rPr lang="en-MY" dirty="0"/>
+              <a:t>Statistics/Mathematics</a:t>
+            </a:r>
+          </a:p>
+          <a:p>
+            <a:r>
+              <a:rPr lang="en-MY" dirty="0"/>
+              <a:t>Visualization</a:t>
             </a:r>
           </a:p>
           <a:p>
@@ -4468,15 +7078,18 @@
             </a:br>
             <a:r>
               <a:rPr lang="en-MY" dirty="0"/>
-              <a:t>Research, Design, Training, Communication, Analysis, Data Analysis, Platform, Management, Artificial Intelligence, Engineering, Database, Security, Statistics, Reporting, Documentation</a:t>
-            </a:r>
+              <a:t>Statistics, Mathematics, Reporting, Statistical Analysis, Data Analysis, Training, Research, Design, Presentation, Visualization, Communication, Data Management, Engineering, Dataset</a:t>
+            </a:r>
+          </a:p>
+          <a:p>
+            <a:endParaRPr lang="en-MY" dirty="0"/>
           </a:p>
         </p:txBody>
       </p:sp>
     </p:spTree>
     <p:extLst>
       <p:ext uri="{BB962C8B-B14F-4D97-AF65-F5344CB8AC3E}">
-        <p14:creationId xmlns:p14="http://schemas.microsoft.com/office/powerpoint/2010/main" val="701882832"/>
+        <p14:creationId xmlns:p14="http://schemas.microsoft.com/office/powerpoint/2010/main" val="3390675923"/>
       </p:ext>
     </p:extLst>
   </p:cSld>
@@ -4508,15 +7121,15 @@
           <p:cNvPr id="2" name="Title 1">
             <a:extLst>
               <a:ext uri="{FF2B5EF4-FFF2-40B4-BE49-F238E27FC236}">
-                <a16:creationId xmlns:a16="http://schemas.microsoft.com/office/drawing/2014/main" id="{88B79300-857B-8040-8179-E680C1182D79}"/>
-              </a:ext>
-            </a:extLst>
-          </p:cNvPr>
-          <p:cNvSpPr>
-            <a:spLocks noGrp="1"/>
-          </p:cNvSpPr>
-          <p:nvPr>
-            <p:ph type="ctrTitle"/>
+                <a16:creationId xmlns:a16="http://schemas.microsoft.com/office/drawing/2014/main" id="{075FE485-1F3C-5744-8BCB-58CA45C5E46E}"/>
+              </a:ext>
+            </a:extLst>
+          </p:cNvPr>
+          <p:cNvSpPr>
+            <a:spLocks noGrp="1"/>
+          </p:cNvSpPr>
+          <p:nvPr>
+            <p:ph type="title"/>
           </p:nvPr>
         </p:nvSpPr>
         <p:spPr/>
@@ -4526,40 +7139,279 @@
           <a:p>
             <a:r>
               <a:rPr lang="en-US" dirty="0"/>
-              <a:t>Topic Modeling</a:t>
-            </a:r>
-          </a:p>
-        </p:txBody>
-      </p:sp>
-      <p:sp>
-        <p:nvSpPr>
-          <p:cNvPr id="3" name="Subtitle 2">
-            <a:extLst>
-              <a:ext uri="{FF2B5EF4-FFF2-40B4-BE49-F238E27FC236}">
-                <a16:creationId xmlns:a16="http://schemas.microsoft.com/office/drawing/2014/main" id="{67846D9D-F1F9-3E41-AEFB-1814056F94EF}"/>
-              </a:ext>
-            </a:extLst>
-          </p:cNvPr>
-          <p:cNvSpPr>
-            <a:spLocks noGrp="1"/>
-          </p:cNvSpPr>
-          <p:nvPr>
-            <p:ph type="subTitle" idx="1"/>
-          </p:nvPr>
-        </p:nvSpPr>
-        <p:spPr/>
-        <p:txBody>
-          <a:bodyPr/>
-          <a:lstStyle/>
-          <a:p>
-            <a:endParaRPr lang="en-US"/>
+              <a:t>Cluster 3</a:t>
+            </a:r>
+          </a:p>
+        </p:txBody>
+      </p:sp>
+      <p:sp>
+        <p:nvSpPr>
+          <p:cNvPr id="6" name="Content Placeholder 5">
+            <a:extLst>
+              <a:ext uri="{FF2B5EF4-FFF2-40B4-BE49-F238E27FC236}">
+                <a16:creationId xmlns:a16="http://schemas.microsoft.com/office/drawing/2014/main" id="{4091203E-E759-4240-80C8-BAD6221776F3}"/>
+              </a:ext>
+            </a:extLst>
+          </p:cNvPr>
+          <p:cNvSpPr>
+            <a:spLocks noGrp="1"/>
+          </p:cNvSpPr>
+          <p:nvPr>
+            <p:ph sz="half" idx="1"/>
+          </p:nvPr>
+        </p:nvSpPr>
+        <p:spPr/>
+        <p:txBody>
+          <a:bodyPr>
+            <a:normAutofit fontScale="85000" lnSpcReduction="20000"/>
+          </a:bodyPr>
+          <a:lstStyle/>
+          <a:p>
+            <a:pPr marL="0" indent="0">
+              <a:buNone/>
+            </a:pPr>
+            <a:r>
+              <a:rPr lang="en-MY" dirty="0"/>
+              <a:t>1. Analytical </a:t>
+            </a:r>
+            <a:br>
+              <a:rPr lang="en-MY" dirty="0"/>
+            </a:br>
+            <a:r>
+              <a:rPr lang="en-MY" dirty="0"/>
+              <a:t>2. Statistics </a:t>
+            </a:r>
+            <a:br>
+              <a:rPr lang="en-MY" dirty="0"/>
+            </a:br>
+            <a:r>
+              <a:rPr lang="en-MY" dirty="0"/>
+              <a:t>3. Computer Science </a:t>
+            </a:r>
+            <a:br>
+              <a:rPr lang="en-MY" dirty="0"/>
+            </a:br>
+            <a:r>
+              <a:rPr lang="en-MY" dirty="0"/>
+              <a:t>4. Mathematics </a:t>
+            </a:r>
+            <a:br>
+              <a:rPr lang="en-MY" dirty="0"/>
+            </a:br>
+            <a:r>
+              <a:rPr lang="en-MY" dirty="0"/>
+              <a:t>5. Data Science </a:t>
+            </a:r>
+            <a:br>
+              <a:rPr lang="en-MY" dirty="0"/>
+            </a:br>
+            <a:r>
+              <a:rPr lang="en-MY" dirty="0"/>
+              <a:t>6. Reporting </a:t>
+            </a:r>
+            <a:br>
+              <a:rPr lang="en-MY" dirty="0"/>
+            </a:br>
+            <a:r>
+              <a:rPr lang="en-MY" dirty="0"/>
+              <a:t>7. Statistical Analysis </a:t>
+            </a:r>
+            <a:br>
+              <a:rPr lang="en-MY" dirty="0"/>
+            </a:br>
+            <a:r>
+              <a:rPr lang="en-MY" dirty="0"/>
+              <a:t>8. Training </a:t>
+            </a:r>
+            <a:br>
+              <a:rPr lang="en-MY" dirty="0"/>
+            </a:br>
+            <a:r>
+              <a:rPr lang="en-MY" dirty="0"/>
+              <a:t>9. Data Analysis </a:t>
+            </a:r>
+            <a:br>
+              <a:rPr lang="en-MY" dirty="0"/>
+            </a:br>
+            <a:r>
+              <a:rPr lang="en-MY" dirty="0"/>
+              <a:t>10. Research </a:t>
+            </a:r>
+            <a:br>
+              <a:rPr lang="en-MY" dirty="0"/>
+            </a:br>
+            <a:r>
+              <a:rPr lang="en-MY" dirty="0"/>
+              <a:t>11. Design </a:t>
+            </a:r>
+            <a:br>
+              <a:rPr lang="en-MY" dirty="0"/>
+            </a:br>
+            <a:r>
+              <a:rPr lang="en-MY" dirty="0"/>
+              <a:t>12. Leadership </a:t>
+            </a:r>
+            <a:br>
+              <a:rPr lang="en-MY" dirty="0"/>
+            </a:br>
+            <a:r>
+              <a:rPr lang="en-MY" dirty="0"/>
+              <a:t>13. Presentation </a:t>
+            </a:r>
+            <a:br>
+              <a:rPr lang="en-MY" dirty="0"/>
+            </a:br>
+            <a:r>
+              <a:rPr lang="en-MY" dirty="0"/>
+              <a:t>14. Visualization </a:t>
+            </a:r>
+            <a:br>
+              <a:rPr lang="en-MY" dirty="0"/>
+            </a:br>
+            <a:r>
+              <a:rPr lang="en-MY" dirty="0"/>
+              <a:t>15. Communication</a:t>
+            </a:r>
+            <a:endParaRPr lang="en-US" dirty="0"/>
+          </a:p>
+        </p:txBody>
+      </p:sp>
+      <p:sp>
+        <p:nvSpPr>
+          <p:cNvPr id="7" name="Content Placeholder 6">
+            <a:extLst>
+              <a:ext uri="{FF2B5EF4-FFF2-40B4-BE49-F238E27FC236}">
+                <a16:creationId xmlns:a16="http://schemas.microsoft.com/office/drawing/2014/main" id="{CF9561F5-9AF9-2942-93F7-811F3F3A7CE8}"/>
+              </a:ext>
+            </a:extLst>
+          </p:cNvPr>
+          <p:cNvSpPr>
+            <a:spLocks noGrp="1"/>
+          </p:cNvSpPr>
+          <p:nvPr>
+            <p:ph sz="half" idx="2"/>
+          </p:nvPr>
+        </p:nvSpPr>
+        <p:spPr/>
+        <p:txBody>
+          <a:bodyPr>
+            <a:normAutofit fontScale="85000" lnSpcReduction="20000"/>
+          </a:bodyPr>
+          <a:lstStyle/>
+          <a:p>
+            <a:pPr marL="0" indent="0">
+              <a:buNone/>
+            </a:pPr>
+            <a:r>
+              <a:rPr lang="en-MY" dirty="0"/>
+              <a:t>16. Problem Solving </a:t>
+            </a:r>
+            <a:br>
+              <a:rPr lang="en-MY" dirty="0"/>
+            </a:br>
+            <a:r>
+              <a:rPr lang="en-MY" dirty="0"/>
+              <a:t>17. Innovation </a:t>
+            </a:r>
+            <a:br>
+              <a:rPr lang="en-MY" dirty="0"/>
+            </a:br>
+            <a:r>
+              <a:rPr lang="en-MY" dirty="0"/>
+              <a:t>18. Collaboration </a:t>
+            </a:r>
+            <a:br>
+              <a:rPr lang="en-MY" dirty="0"/>
+            </a:br>
+            <a:r>
+              <a:rPr lang="en-MY" dirty="0"/>
+              <a:t>19. Data Management </a:t>
+            </a:r>
+            <a:br>
+              <a:rPr lang="en-MY" dirty="0"/>
+            </a:br>
+            <a:r>
+              <a:rPr lang="en-MY" dirty="0"/>
+              <a:t>20. Engineering </a:t>
+            </a:r>
+            <a:br>
+              <a:rPr lang="en-MY" dirty="0"/>
+            </a:br>
+            <a:r>
+              <a:rPr lang="en-MY" dirty="0"/>
+              <a:t>21. Dataset </a:t>
+            </a:r>
+            <a:br>
+              <a:rPr lang="en-MY" dirty="0"/>
+            </a:br>
+            <a:r>
+              <a:rPr lang="en-MY" dirty="0"/>
+              <a:t>22. Processing </a:t>
+            </a:r>
+            <a:br>
+              <a:rPr lang="en-MY" dirty="0"/>
+            </a:br>
+            <a:r>
+              <a:rPr lang="en-MY" dirty="0"/>
+              <a:t>23. Documentation </a:t>
+            </a:r>
+            <a:br>
+              <a:rPr lang="en-MY" dirty="0"/>
+            </a:br>
+            <a:r>
+              <a:rPr lang="en-MY" dirty="0"/>
+              <a:t>24. R </a:t>
+            </a:r>
+            <a:br>
+              <a:rPr lang="en-MY" dirty="0"/>
+            </a:br>
+            <a:r>
+              <a:rPr lang="en-MY" dirty="0"/>
+              <a:t>25. Microsoft Access </a:t>
+            </a:r>
+            <a:br>
+              <a:rPr lang="en-MY" dirty="0"/>
+            </a:br>
+            <a:r>
+              <a:rPr lang="en-MY" dirty="0"/>
+              <a:t>26. Programming </a:t>
+            </a:r>
+            <a:br>
+              <a:rPr lang="en-MY" dirty="0"/>
+            </a:br>
+            <a:r>
+              <a:rPr lang="en-MY" dirty="0"/>
+              <a:t>27. Biostatistics </a:t>
+            </a:r>
+            <a:br>
+              <a:rPr lang="en-MY" dirty="0"/>
+            </a:br>
+            <a:r>
+              <a:rPr lang="en-MY" dirty="0"/>
+              <a:t>28. Management </a:t>
+            </a:r>
+            <a:br>
+              <a:rPr lang="en-MY" dirty="0"/>
+            </a:br>
+            <a:r>
+              <a:rPr lang="en-MY" dirty="0"/>
+              <a:t>29. Data Visualization </a:t>
+            </a:r>
+            <a:br>
+              <a:rPr lang="en-MY" dirty="0"/>
+            </a:br>
+            <a:r>
+              <a:rPr lang="en-MY" dirty="0"/>
+              <a:t>30. Law</a:t>
+            </a:r>
+            <a:endParaRPr lang="en-US" dirty="0"/>
           </a:p>
         </p:txBody>
       </p:sp>
     </p:spTree>
     <p:extLst>
       <p:ext uri="{BB962C8B-B14F-4D97-AF65-F5344CB8AC3E}">
-        <p14:creationId xmlns:p14="http://schemas.microsoft.com/office/powerpoint/2010/main" val="3161474888"/>
+        <p14:creationId xmlns:p14="http://schemas.microsoft.com/office/powerpoint/2010/main" val="2444136881"/>
       </p:ext>
     </p:extLst>
   </p:cSld>
@@ -4609,7 +7461,7 @@
           <a:p>
             <a:r>
               <a:rPr lang="en-US" dirty="0"/>
-              <a:t>Topic 1</a:t>
+              <a:t>Cluster 4</a:t>
             </a:r>
           </a:p>
         </p:txBody>
@@ -4637,19 +7489,25 @@
           <a:p>
             <a:r>
               <a:rPr lang="en-MY" dirty="0"/>
-              <a:t>307 jobs (10.60%)</a:t>
-            </a:r>
-          </a:p>
-          <a:p>
-            <a:r>
-              <a:rPr lang="en-MY" dirty="0"/>
-              <a:t>Research?</a:t>
-            </a:r>
-          </a:p>
-          <a:p>
-            <a:r>
-              <a:rPr lang="en-MY" dirty="0"/>
-              <a:t>Bioinformatics/Life Science?</a:t>
+              <a:t>546 jobs (18.85%)</a:t>
+            </a:r>
+          </a:p>
+          <a:p>
+            <a:r>
+              <a:rPr lang="en-MY" dirty="0"/>
+              <a:t>Business</a:t>
+            </a:r>
+          </a:p>
+          <a:p>
+            <a:r>
+              <a:rPr lang="en-MY" dirty="0"/>
+              <a:t>Sales?</a:t>
+            </a:r>
+          </a:p>
+          <a:p>
+            <a:r>
+              <a:rPr lang="en-MY" dirty="0"/>
+              <a:t>Management?</a:t>
             </a:r>
           </a:p>
           <a:p>
@@ -4662,7 +7520,7 @@
             </a:br>
             <a:r>
               <a:rPr lang="en-MY" dirty="0"/>
-              <a:t>Research, Design, Molecular Biology, Analytical, Research and Development, Life Science, Biochemistry, Testing, Innovation, Chemistry, Data Analysis</a:t>
+              <a:t>Communication, Market, Leadership, Training, Analysis, Design, Presentation, Innovation, Sales, Research, Reporting, Problem Solving, Project Management, Marketing, Network, Management, Microsoft Excel</a:t>
             </a:r>
           </a:p>
         </p:txBody>
@@ -4670,7 +7528,7 @@
     </p:spTree>
     <p:extLst>
       <p:ext uri="{BB962C8B-B14F-4D97-AF65-F5344CB8AC3E}">
-        <p14:creationId xmlns:p14="http://schemas.microsoft.com/office/powerpoint/2010/main" val="1575316305"/>
+        <p14:creationId xmlns:p14="http://schemas.microsoft.com/office/powerpoint/2010/main" val="742558957"/>
       </p:ext>
     </p:extLst>
   </p:cSld>
@@ -4720,72 +7578,279 @@
           <a:p>
             <a:r>
               <a:rPr lang="en-US" dirty="0"/>
-              <a:t>Topic 2</a:t>
-            </a:r>
-          </a:p>
-        </p:txBody>
-      </p:sp>
-      <p:sp>
-        <p:nvSpPr>
-          <p:cNvPr id="3" name="Content Placeholder 2">
-            <a:extLst>
-              <a:ext uri="{FF2B5EF4-FFF2-40B4-BE49-F238E27FC236}">
-                <a16:creationId xmlns:a16="http://schemas.microsoft.com/office/drawing/2014/main" id="{90E57250-B8FD-8E41-9574-384BE8FB0132}"/>
-              </a:ext>
-            </a:extLst>
-          </p:cNvPr>
-          <p:cNvSpPr>
-            <a:spLocks noGrp="1"/>
-          </p:cNvSpPr>
-          <p:nvPr>
-            <p:ph idx="1"/>
-          </p:nvPr>
-        </p:nvSpPr>
-        <p:spPr/>
-        <p:txBody>
-          <a:bodyPr/>
-          <a:lstStyle/>
-          <a:p>
-            <a:r>
-              <a:rPr lang="en-MY" dirty="0"/>
-              <a:t>452 jobs (15.61%)</a:t>
-            </a:r>
-          </a:p>
-          <a:p>
-            <a:r>
-              <a:rPr lang="en-MY" dirty="0"/>
-              <a:t>Business</a:t>
-            </a:r>
-          </a:p>
-          <a:p>
-            <a:r>
-              <a:rPr lang="en-MY" dirty="0" err="1"/>
-              <a:t>Managemet</a:t>
-            </a:r>
-            <a:r>
-              <a:rPr lang="en-MY" dirty="0"/>
-              <a:t>?</a:t>
-            </a:r>
-          </a:p>
-          <a:p>
-            <a:r>
-              <a:rPr lang="en-MY" dirty="0"/>
-              <a:t>Notable Skills:</a:t>
-            </a:r>
-            <a:br>
-              <a:rPr lang="en-MY" dirty="0"/>
-            </a:br>
-            <a:r>
-              <a:rPr lang="en-MY" dirty="0"/>
-              <a:t>Communication, Design, Sales, Market Research, Presentation, Analysis, Marketing, Reporting, Leadership, Management</a:t>
-            </a:r>
+              <a:t>Cluster 4</a:t>
+            </a:r>
+          </a:p>
+        </p:txBody>
+      </p:sp>
+      <p:sp>
+        <p:nvSpPr>
+          <p:cNvPr id="6" name="Content Placeholder 5">
+            <a:extLst>
+              <a:ext uri="{FF2B5EF4-FFF2-40B4-BE49-F238E27FC236}">
+                <a16:creationId xmlns:a16="http://schemas.microsoft.com/office/drawing/2014/main" id="{4091203E-E759-4240-80C8-BAD6221776F3}"/>
+              </a:ext>
+            </a:extLst>
+          </p:cNvPr>
+          <p:cNvSpPr>
+            <a:spLocks noGrp="1"/>
+          </p:cNvSpPr>
+          <p:nvPr>
+            <p:ph sz="half" idx="1"/>
+          </p:nvPr>
+        </p:nvSpPr>
+        <p:spPr/>
+        <p:txBody>
+          <a:bodyPr>
+            <a:normAutofit fontScale="85000" lnSpcReduction="20000"/>
+          </a:bodyPr>
+          <a:lstStyle/>
+          <a:p>
+            <a:pPr marL="0" indent="0">
+              <a:buNone/>
+            </a:pPr>
+            <a:r>
+              <a:rPr lang="en-MY" dirty="0"/>
+              <a:t>1. Analytical </a:t>
+            </a:r>
+            <a:br>
+              <a:rPr lang="en-MY" dirty="0"/>
+            </a:br>
+            <a:r>
+              <a:rPr lang="en-MY" dirty="0"/>
+              <a:t>2. Communication </a:t>
+            </a:r>
+            <a:br>
+              <a:rPr lang="en-MY" dirty="0"/>
+            </a:br>
+            <a:r>
+              <a:rPr lang="en-MY" dirty="0"/>
+              <a:t>3. Market </a:t>
+            </a:r>
+            <a:br>
+              <a:rPr lang="en-MY" dirty="0"/>
+            </a:br>
+            <a:r>
+              <a:rPr lang="en-MY" dirty="0"/>
+              <a:t>4. Leadership </a:t>
+            </a:r>
+            <a:br>
+              <a:rPr lang="en-MY" dirty="0"/>
+            </a:br>
+            <a:r>
+              <a:rPr lang="en-MY" dirty="0"/>
+              <a:t>5. Training </a:t>
+            </a:r>
+            <a:br>
+              <a:rPr lang="en-MY" dirty="0"/>
+            </a:br>
+            <a:r>
+              <a:rPr lang="en-MY" dirty="0"/>
+              <a:t>6. Analysis </a:t>
+            </a:r>
+            <a:br>
+              <a:rPr lang="en-MY" dirty="0"/>
+            </a:br>
+            <a:r>
+              <a:rPr lang="en-MY" dirty="0"/>
+              <a:t>7. Design </a:t>
+            </a:r>
+            <a:br>
+              <a:rPr lang="en-MY" dirty="0"/>
+            </a:br>
+            <a:r>
+              <a:rPr lang="en-MY" dirty="0"/>
+              <a:t>8. Presentation </a:t>
+            </a:r>
+            <a:br>
+              <a:rPr lang="en-MY" dirty="0"/>
+            </a:br>
+            <a:r>
+              <a:rPr lang="en-MY" dirty="0"/>
+              <a:t>9. Innovation </a:t>
+            </a:r>
+            <a:br>
+              <a:rPr lang="en-MY" dirty="0"/>
+            </a:br>
+            <a:r>
+              <a:rPr lang="en-MY" dirty="0"/>
+              <a:t>10. Sales </a:t>
+            </a:r>
+            <a:br>
+              <a:rPr lang="en-MY" dirty="0"/>
+            </a:br>
+            <a:r>
+              <a:rPr lang="en-MY" dirty="0"/>
+              <a:t>11. Collaboration </a:t>
+            </a:r>
+            <a:br>
+              <a:rPr lang="en-MY" dirty="0"/>
+            </a:br>
+            <a:r>
+              <a:rPr lang="en-MY" dirty="0"/>
+              <a:t>12. Research </a:t>
+            </a:r>
+            <a:br>
+              <a:rPr lang="en-MY" dirty="0"/>
+            </a:br>
+            <a:r>
+              <a:rPr lang="en-MY" dirty="0"/>
+              <a:t>13. Platform </a:t>
+            </a:r>
+            <a:br>
+              <a:rPr lang="en-MY" dirty="0"/>
+            </a:br>
+            <a:r>
+              <a:rPr lang="en-MY" dirty="0"/>
+              <a:t>14. Reporting </a:t>
+            </a:r>
+            <a:br>
+              <a:rPr lang="en-MY" dirty="0"/>
+            </a:br>
+            <a:r>
+              <a:rPr lang="en-MY" dirty="0"/>
+              <a:t>15. Problem Solving</a:t>
+            </a:r>
+            <a:endParaRPr lang="en-US" dirty="0"/>
+          </a:p>
+        </p:txBody>
+      </p:sp>
+      <p:sp>
+        <p:nvSpPr>
+          <p:cNvPr id="7" name="Content Placeholder 6">
+            <a:extLst>
+              <a:ext uri="{FF2B5EF4-FFF2-40B4-BE49-F238E27FC236}">
+                <a16:creationId xmlns:a16="http://schemas.microsoft.com/office/drawing/2014/main" id="{CF9561F5-9AF9-2942-93F7-811F3F3A7CE8}"/>
+              </a:ext>
+            </a:extLst>
+          </p:cNvPr>
+          <p:cNvSpPr>
+            <a:spLocks noGrp="1"/>
+          </p:cNvSpPr>
+          <p:nvPr>
+            <p:ph sz="half" idx="2"/>
+          </p:nvPr>
+        </p:nvSpPr>
+        <p:spPr/>
+        <p:txBody>
+          <a:bodyPr>
+            <a:normAutofit fontScale="85000" lnSpcReduction="20000"/>
+          </a:bodyPr>
+          <a:lstStyle/>
+          <a:p>
+            <a:pPr marL="0" indent="0">
+              <a:buNone/>
+            </a:pPr>
+            <a:r>
+              <a:rPr lang="en-MY" dirty="0"/>
+              <a:t>16. Project Management </a:t>
+            </a:r>
+            <a:br>
+              <a:rPr lang="en-MY" dirty="0"/>
+            </a:br>
+            <a:r>
+              <a:rPr lang="en-MY" dirty="0"/>
+              <a:t>17. Law </a:t>
+            </a:r>
+            <a:br>
+              <a:rPr lang="en-MY" dirty="0"/>
+            </a:br>
+            <a:r>
+              <a:rPr lang="en-MY" dirty="0"/>
+              <a:t>18. Marketing </a:t>
+            </a:r>
+            <a:br>
+              <a:rPr lang="en-MY" dirty="0"/>
+            </a:br>
+            <a:r>
+              <a:rPr lang="en-MY" dirty="0"/>
+              <a:t>19. Network </a:t>
+            </a:r>
+            <a:br>
+              <a:rPr lang="en-MY" dirty="0"/>
+            </a:br>
+            <a:r>
+              <a:rPr lang="en-MY" dirty="0"/>
+              <a:t>20. Data Science </a:t>
+            </a:r>
+            <a:br>
+              <a:rPr lang="en-MY" dirty="0"/>
+            </a:br>
+            <a:r>
+              <a:rPr lang="en-MY" dirty="0"/>
+              <a:t>21. Management </a:t>
+            </a:r>
+            <a:br>
+              <a:rPr lang="en-MY" dirty="0"/>
+            </a:br>
+            <a:r>
+              <a:rPr lang="en-MY" dirty="0"/>
+              <a:t>22. Microsoft Excel </a:t>
+            </a:r>
+            <a:br>
+              <a:rPr lang="en-MY" dirty="0"/>
+            </a:br>
+            <a:r>
+              <a:rPr lang="en-MY" dirty="0"/>
+              <a:t>23. English </a:t>
+            </a:r>
+            <a:br>
+              <a:rPr lang="en-MY" dirty="0"/>
+            </a:br>
+            <a:r>
+              <a:rPr lang="en-MY" dirty="0"/>
+              <a:t>24. Life Science </a:t>
+            </a:r>
+            <a:br>
+              <a:rPr lang="en-MY" dirty="0"/>
+            </a:br>
+            <a:r>
+              <a:rPr lang="en-MY" dirty="0"/>
+              <a:t>25. Writing </a:t>
+            </a:r>
+            <a:br>
+              <a:rPr lang="en-MY" dirty="0"/>
+            </a:br>
+            <a:r>
+              <a:rPr lang="en-MY" dirty="0"/>
+              <a:t>26. Manufacturing </a:t>
+            </a:r>
+            <a:br>
+              <a:rPr lang="en-MY" dirty="0"/>
+            </a:br>
+            <a:r>
+              <a:rPr lang="en-MY" dirty="0"/>
+              <a:t>27. Research and Development (R&amp;D) </a:t>
+            </a:r>
+            <a:br>
+              <a:rPr lang="en-MY" dirty="0"/>
+            </a:br>
+            <a:r>
+              <a:rPr lang="en-MY" dirty="0"/>
+              <a:t>28. Engineering </a:t>
+            </a:r>
+            <a:br>
+              <a:rPr lang="en-MY" dirty="0"/>
+            </a:br>
+            <a:r>
+              <a:rPr lang="en-MY" dirty="0"/>
+              <a:t>29. Insurance </a:t>
+            </a:r>
+            <a:br>
+              <a:rPr lang="en-MY" dirty="0"/>
+            </a:br>
+            <a:r>
+              <a:rPr lang="en-MY" dirty="0"/>
+              <a:t>30. Artificial Intelligence (AI)</a:t>
+            </a:r>
+            <a:endParaRPr lang="en-US" dirty="0"/>
           </a:p>
         </p:txBody>
       </p:sp>
     </p:spTree>
     <p:extLst>
       <p:ext uri="{BB962C8B-B14F-4D97-AF65-F5344CB8AC3E}">
-        <p14:creationId xmlns:p14="http://schemas.microsoft.com/office/powerpoint/2010/main" val="1357839216"/>
+        <p14:creationId xmlns:p14="http://schemas.microsoft.com/office/powerpoint/2010/main" val="4082907056"/>
       </p:ext>
     </p:extLst>
   </p:cSld>
